--- a/2024spring/2023_App_01_ProSport/99_如何做学术报告.pptx
+++ b/2024spring/2023_App_01_ProSport/99_如何做学术报告.pptx
@@ -5,18 +5,18 @@
     <p:sldMasterId id="2147483648" r:id="rId1"/>
   </p:sldMasterIdLst>
   <p:sldIdLst>
-    <p:sldId id="256" r:id="rId3"/>
-    <p:sldId id="257" r:id="rId4"/>
-    <p:sldId id="259" r:id="rId5"/>
-    <p:sldId id="260" r:id="rId6"/>
-    <p:sldId id="261" r:id="rId7"/>
-    <p:sldId id="262" r:id="rId8"/>
-    <p:sldId id="263" r:id="rId9"/>
-    <p:sldId id="264" r:id="rId10"/>
-    <p:sldId id="265" r:id="rId11"/>
-    <p:sldId id="266" r:id="rId12"/>
-    <p:sldId id="267" r:id="rId13"/>
-    <p:sldId id="268" r:id="rId14"/>
+    <p:sldId id="256" r:id="rId2"/>
+    <p:sldId id="257" r:id="rId3"/>
+    <p:sldId id="259" r:id="rId4"/>
+    <p:sldId id="260" r:id="rId5"/>
+    <p:sldId id="261" r:id="rId6"/>
+    <p:sldId id="262" r:id="rId7"/>
+    <p:sldId id="263" r:id="rId8"/>
+    <p:sldId id="264" r:id="rId9"/>
+    <p:sldId id="265" r:id="rId10"/>
+    <p:sldId id="266" r:id="rId11"/>
+    <p:sldId id="267" r:id="rId12"/>
+    <p:sldId id="268" r:id="rId13"/>
   </p:sldIdLst>
   <p:sldSz cx="9144000" cy="6858000" type="screen4x3"/>
   <p:notesSz cx="6858000" cy="9144000"/>
@@ -115,11 +115,16 @@
       </a:defRPr>
     </a:lvl9pPr>
   </p:defaultTextStyle>
+  <p:extLst>
+    <p:ext uri="{EFAFB233-063F-42B5-8137-9DF3F51BA10A}">
+      <p15:sldGuideLst xmlns:p15="http://schemas.microsoft.com/office/powerpoint/2012/main"/>
+    </p:ext>
+  </p:extLst>
 </p:presentation>
 </file>
 
 <file path=ppt/slideLayouts/slideLayout1.xml><?xml version="1.0" encoding="utf-8"?>
-<p:sldLayout xmlns:a="http://schemas.openxmlformats.org/drawingml/2006/main" xmlns:r="http://schemas.openxmlformats.org/officeDocument/2006/relationships" xmlns:p="http://schemas.openxmlformats.org/presentationml/2006/main" type="title" preserve="1" showMasterSp="0">
+<p:sldLayout xmlns:a="http://schemas.openxmlformats.org/drawingml/2006/main" xmlns:r="http://schemas.openxmlformats.org/officeDocument/2006/relationships" xmlns:p="http://schemas.openxmlformats.org/presentationml/2006/main" showMasterSp="0" type="title" preserve="1">
   <p:cSld name="标题幻灯片">
     <p:spTree>
       <p:nvGrpSpPr>
@@ -344,6 +349,7 @@
           <a:p>
             <a:fld id="{03C3F5E1-8BEB-46F8-B0C6-3051342B5E98}" type="slidenum">
               <a:rPr lang="en-US" smtClean="0"/>
+              <a:t>‹#›</a:t>
             </a:fld>
             <a:endParaRPr lang="en-US"/>
           </a:p>
@@ -455,7 +461,6 @@
               <a:rPr lang="zh-CN" altLang="en-US"/>
               <a:t>单击此处编辑母版文本样式</a:t>
             </a:r>
-            <a:endParaRPr lang="zh-CN" altLang="en-US"/>
           </a:p>
           <a:p>
             <a:pPr lvl="1"/>
@@ -463,7 +468,6 @@
               <a:rPr lang="zh-CN" altLang="en-US"/>
               <a:t>二级</a:t>
             </a:r>
-            <a:endParaRPr lang="zh-CN" altLang="en-US"/>
           </a:p>
           <a:p>
             <a:pPr lvl="2"/>
@@ -471,7 +475,6 @@
               <a:rPr lang="zh-CN" altLang="en-US"/>
               <a:t>三级</a:t>
             </a:r>
-            <a:endParaRPr lang="zh-CN" altLang="en-US"/>
           </a:p>
           <a:p>
             <a:pPr lvl="3"/>
@@ -479,7 +482,6 @@
               <a:rPr lang="zh-CN" altLang="en-US"/>
               <a:t>四级</a:t>
             </a:r>
-            <a:endParaRPr lang="zh-CN" altLang="en-US"/>
           </a:p>
           <a:p>
             <a:pPr lvl="4"/>
@@ -546,6 +548,7 @@
           <a:p>
             <a:fld id="{03C3F5E1-8BEB-46F8-B0C6-3051342B5E98}" type="slidenum">
               <a:rPr lang="en-US" smtClean="0"/>
+              <a:t>‹#›</a:t>
             </a:fld>
             <a:endParaRPr lang="en-US"/>
           </a:p>
@@ -560,7 +563,7 @@
 </file>
 
 <file path=ppt/slideLayouts/slideLayout11.xml><?xml version="1.0" encoding="utf-8"?>
-<p:sldLayout xmlns:a="http://schemas.openxmlformats.org/drawingml/2006/main" xmlns:r="http://schemas.openxmlformats.org/officeDocument/2006/relationships" xmlns:p="http://schemas.openxmlformats.org/presentationml/2006/main" type="vertTitleAndTx" preserve="1" showMasterSp="0">
+<p:sldLayout xmlns:a="http://schemas.openxmlformats.org/drawingml/2006/main" xmlns:r="http://schemas.openxmlformats.org/officeDocument/2006/relationships" xmlns:p="http://schemas.openxmlformats.org/presentationml/2006/main" showMasterSp="0" type="vertTitleAndTx" preserve="1">
   <p:cSld name="竖排标题与文本">
     <p:spTree>
       <p:nvGrpSpPr>
@@ -667,7 +670,6 @@
               <a:rPr lang="zh-CN" altLang="en-US"/>
               <a:t>单击此处编辑母版文本样式</a:t>
             </a:r>
-            <a:endParaRPr lang="zh-CN" altLang="en-US"/>
           </a:p>
           <a:p>
             <a:pPr lvl="1"/>
@@ -675,7 +677,6 @@
               <a:rPr lang="zh-CN" altLang="en-US"/>
               <a:t>二级</a:t>
             </a:r>
-            <a:endParaRPr lang="zh-CN" altLang="en-US"/>
           </a:p>
           <a:p>
             <a:pPr lvl="2"/>
@@ -683,7 +684,6 @@
               <a:rPr lang="zh-CN" altLang="en-US"/>
               <a:t>三级</a:t>
             </a:r>
-            <a:endParaRPr lang="zh-CN" altLang="en-US"/>
           </a:p>
           <a:p>
             <a:pPr lvl="3"/>
@@ -691,7 +691,6 @@
               <a:rPr lang="zh-CN" altLang="en-US"/>
               <a:t>四级</a:t>
             </a:r>
-            <a:endParaRPr lang="zh-CN" altLang="en-US"/>
           </a:p>
           <a:p>
             <a:pPr lvl="4"/>
@@ -758,6 +757,7 @@
           <a:p>
             <a:fld id="{03C3F5E1-8BEB-46F8-B0C6-3051342B5E98}" type="slidenum">
               <a:rPr lang="en-US" smtClean="0"/>
+              <a:t>‹#›</a:t>
             </a:fld>
             <a:endParaRPr lang="en-US"/>
           </a:p>
@@ -860,7 +860,6 @@
               <a:rPr lang="zh-CN" altLang="en-US"/>
               <a:t>单击此处编辑母版文本样式</a:t>
             </a:r>
-            <a:endParaRPr lang="zh-CN" altLang="en-US"/>
           </a:p>
           <a:p>
             <a:pPr lvl="1"/>
@@ -868,7 +867,6 @@
               <a:rPr lang="zh-CN" altLang="en-US"/>
               <a:t>二级</a:t>
             </a:r>
-            <a:endParaRPr lang="zh-CN" altLang="en-US"/>
           </a:p>
           <a:p>
             <a:pPr lvl="2"/>
@@ -876,7 +874,6 @@
               <a:rPr lang="zh-CN" altLang="en-US"/>
               <a:t>三级</a:t>
             </a:r>
-            <a:endParaRPr lang="zh-CN" altLang="en-US"/>
           </a:p>
           <a:p>
             <a:pPr lvl="3"/>
@@ -884,7 +881,6 @@
               <a:rPr lang="zh-CN" altLang="en-US"/>
               <a:t>四级</a:t>
             </a:r>
-            <a:endParaRPr lang="zh-CN" altLang="en-US"/>
           </a:p>
           <a:p>
             <a:pPr lvl="4"/>
@@ -963,6 +959,7 @@
           <a:p>
             <a:fld id="{03C3F5E1-8BEB-46F8-B0C6-3051342B5E98}" type="slidenum">
               <a:rPr lang="en-US" smtClean="0"/>
+              <a:t>‹#›</a:t>
             </a:fld>
             <a:endParaRPr lang="en-US" dirty="0"/>
           </a:p>
@@ -977,7 +974,7 @@
 </file>
 
 <file path=ppt/slideLayouts/slideLayout3.xml><?xml version="1.0" encoding="utf-8"?>
-<p:sldLayout xmlns:a="http://schemas.openxmlformats.org/drawingml/2006/main" xmlns:r="http://schemas.openxmlformats.org/officeDocument/2006/relationships" xmlns:p="http://schemas.openxmlformats.org/presentationml/2006/main" type="secHead" preserve="1" showMasterSp="0">
+<p:sldLayout xmlns:a="http://schemas.openxmlformats.org/drawingml/2006/main" xmlns:r="http://schemas.openxmlformats.org/officeDocument/2006/relationships" xmlns:p="http://schemas.openxmlformats.org/presentationml/2006/main" showMasterSp="0" type="secHead" preserve="1">
   <p:cSld name="节标题">
     <p:bg>
       <p:bgPr>
@@ -1200,7 +1197,6 @@
               <a:rPr lang="zh-CN" altLang="en-US"/>
               <a:t>单击此处编辑母版文本样式</a:t>
             </a:r>
-            <a:endParaRPr lang="zh-CN" altLang="en-US"/>
           </a:p>
         </p:txBody>
       </p:sp>
@@ -1259,6 +1255,7 @@
           <a:p>
             <a:fld id="{03C3F5E1-8BEB-46F8-B0C6-3051342B5E98}" type="slidenum">
               <a:rPr lang="en-US" smtClean="0"/>
+              <a:t>‹#›</a:t>
             </a:fld>
             <a:endParaRPr lang="en-US"/>
           </a:p>
@@ -1380,7 +1377,6 @@
               <a:rPr lang="zh-CN" altLang="en-US"/>
               <a:t>单击此处编辑母版文本样式</a:t>
             </a:r>
-            <a:endParaRPr lang="zh-CN" altLang="en-US"/>
           </a:p>
           <a:p>
             <a:pPr lvl="1"/>
@@ -1388,7 +1384,6 @@
               <a:rPr lang="zh-CN" altLang="en-US"/>
               <a:t>二级</a:t>
             </a:r>
-            <a:endParaRPr lang="zh-CN" altLang="en-US"/>
           </a:p>
           <a:p>
             <a:pPr lvl="2"/>
@@ -1396,7 +1391,6 @@
               <a:rPr lang="zh-CN" altLang="en-US"/>
               <a:t>三级</a:t>
             </a:r>
-            <a:endParaRPr lang="zh-CN" altLang="en-US"/>
           </a:p>
           <a:p>
             <a:pPr lvl="3"/>
@@ -1404,7 +1398,6 @@
               <a:rPr lang="zh-CN" altLang="en-US"/>
               <a:t>四级</a:t>
             </a:r>
-            <a:endParaRPr lang="zh-CN" altLang="en-US"/>
           </a:p>
           <a:p>
             <a:pPr lvl="4"/>
@@ -1441,7 +1434,6 @@
               <a:rPr lang="zh-CN" altLang="en-US"/>
               <a:t>单击此处编辑母版文本样式</a:t>
             </a:r>
-            <a:endParaRPr lang="zh-CN" altLang="en-US"/>
           </a:p>
           <a:p>
             <a:pPr lvl="1"/>
@@ -1449,7 +1441,6 @@
               <a:rPr lang="zh-CN" altLang="en-US"/>
               <a:t>二级</a:t>
             </a:r>
-            <a:endParaRPr lang="zh-CN" altLang="en-US"/>
           </a:p>
           <a:p>
             <a:pPr lvl="2"/>
@@ -1457,7 +1448,6 @@
               <a:rPr lang="zh-CN" altLang="en-US"/>
               <a:t>三级</a:t>
             </a:r>
-            <a:endParaRPr lang="zh-CN" altLang="en-US"/>
           </a:p>
           <a:p>
             <a:pPr lvl="3"/>
@@ -1465,7 +1455,6 @@
               <a:rPr lang="zh-CN" altLang="en-US"/>
               <a:t>四级</a:t>
             </a:r>
-            <a:endParaRPr lang="zh-CN" altLang="en-US"/>
           </a:p>
           <a:p>
             <a:pPr lvl="4"/>
@@ -1532,6 +1521,7 @@
           <a:p>
             <a:fld id="{03C3F5E1-8BEB-46F8-B0C6-3051342B5E98}" type="slidenum">
               <a:rPr lang="en-US" smtClean="0"/>
+              <a:t>‹#›</a:t>
             </a:fld>
             <a:endParaRPr lang="en-US"/>
           </a:p>
@@ -1658,7 +1648,6 @@
               <a:rPr lang="zh-CN" altLang="en-US"/>
               <a:t>单击此处编辑母版文本样式</a:t>
             </a:r>
-            <a:endParaRPr lang="zh-CN" altLang="en-US"/>
           </a:p>
         </p:txBody>
       </p:sp>
@@ -1687,7 +1676,6 @@
               <a:rPr lang="zh-CN" altLang="en-US"/>
               <a:t>单击此处编辑母版文本样式</a:t>
             </a:r>
-            <a:endParaRPr lang="zh-CN" altLang="en-US"/>
           </a:p>
           <a:p>
             <a:pPr lvl="1"/>
@@ -1695,7 +1683,6 @@
               <a:rPr lang="zh-CN" altLang="en-US"/>
               <a:t>二级</a:t>
             </a:r>
-            <a:endParaRPr lang="zh-CN" altLang="en-US"/>
           </a:p>
           <a:p>
             <a:pPr lvl="2"/>
@@ -1703,7 +1690,6 @@
               <a:rPr lang="zh-CN" altLang="en-US"/>
               <a:t>三级</a:t>
             </a:r>
-            <a:endParaRPr lang="zh-CN" altLang="en-US"/>
           </a:p>
           <a:p>
             <a:pPr lvl="3"/>
@@ -1711,7 +1697,6 @@
               <a:rPr lang="zh-CN" altLang="en-US"/>
               <a:t>四级</a:t>
             </a:r>
-            <a:endParaRPr lang="zh-CN" altLang="en-US"/>
           </a:p>
           <a:p>
             <a:pPr lvl="4"/>
@@ -1791,7 +1776,6 @@
               <a:rPr lang="zh-CN" altLang="en-US"/>
               <a:t>单击此处编辑母版文本样式</a:t>
             </a:r>
-            <a:endParaRPr lang="zh-CN" altLang="en-US"/>
           </a:p>
         </p:txBody>
       </p:sp>
@@ -1820,7 +1804,6 @@
               <a:rPr lang="zh-CN" altLang="en-US"/>
               <a:t>单击此处编辑母版文本样式</a:t>
             </a:r>
-            <a:endParaRPr lang="zh-CN" altLang="en-US"/>
           </a:p>
           <a:p>
             <a:pPr lvl="1"/>
@@ -1828,7 +1811,6 @@
               <a:rPr lang="zh-CN" altLang="en-US"/>
               <a:t>二级</a:t>
             </a:r>
-            <a:endParaRPr lang="zh-CN" altLang="en-US"/>
           </a:p>
           <a:p>
             <a:pPr lvl="2"/>
@@ -1836,7 +1818,6 @@
               <a:rPr lang="zh-CN" altLang="en-US"/>
               <a:t>三级</a:t>
             </a:r>
-            <a:endParaRPr lang="zh-CN" altLang="en-US"/>
           </a:p>
           <a:p>
             <a:pPr lvl="3"/>
@@ -1844,7 +1825,6 @@
               <a:rPr lang="zh-CN" altLang="en-US"/>
               <a:t>四级</a:t>
             </a:r>
-            <a:endParaRPr lang="zh-CN" altLang="en-US"/>
           </a:p>
           <a:p>
             <a:pPr lvl="4"/>
@@ -1911,6 +1891,7 @@
           <a:p>
             <a:fld id="{03C3F5E1-8BEB-46F8-B0C6-3051342B5E98}" type="slidenum">
               <a:rPr lang="en-US" smtClean="0"/>
+              <a:t>‹#›</a:t>
             </a:fld>
             <a:endParaRPr lang="en-US"/>
           </a:p>
@@ -2019,6 +2000,7 @@
           <a:p>
             <a:fld id="{03C3F5E1-8BEB-46F8-B0C6-3051342B5E98}" type="slidenum">
               <a:rPr lang="en-US" smtClean="0"/>
+              <a:t>‹#›</a:t>
             </a:fld>
             <a:endParaRPr lang="en-US"/>
           </a:p>
@@ -2033,7 +2015,7 @@
 </file>
 
 <file path=ppt/slideLayouts/slideLayout7.xml><?xml version="1.0" encoding="utf-8"?>
-<p:sldLayout xmlns:a="http://schemas.openxmlformats.org/drawingml/2006/main" xmlns:r="http://schemas.openxmlformats.org/officeDocument/2006/relationships" xmlns:p="http://schemas.openxmlformats.org/presentationml/2006/main" type="blank" preserve="1" showMasterSp="0">
+<p:sldLayout xmlns:a="http://schemas.openxmlformats.org/drawingml/2006/main" xmlns:r="http://schemas.openxmlformats.org/officeDocument/2006/relationships" xmlns:p="http://schemas.openxmlformats.org/presentationml/2006/main" showMasterSp="0" type="blank" preserve="1">
   <p:cSld name="空白">
     <p:spTree>
       <p:nvGrpSpPr>
@@ -2154,6 +2136,7 @@
           <a:p>
             <a:fld id="{03C3F5E1-8BEB-46F8-B0C6-3051342B5E98}" type="slidenum">
               <a:rPr lang="en-US" smtClean="0"/>
+              <a:t>‹#›</a:t>
             </a:fld>
             <a:endParaRPr lang="en-US" dirty="0"/>
           </a:p>
@@ -2168,7 +2151,7 @@
 </file>
 
 <file path=ppt/slideLayouts/slideLayout8.xml><?xml version="1.0" encoding="utf-8"?>
-<p:sldLayout xmlns:a="http://schemas.openxmlformats.org/drawingml/2006/main" xmlns:r="http://schemas.openxmlformats.org/officeDocument/2006/relationships" xmlns:p="http://schemas.openxmlformats.org/presentationml/2006/main" type="objTx" preserve="1" showMasterSp="0">
+<p:sldLayout xmlns:a="http://schemas.openxmlformats.org/drawingml/2006/main" xmlns:r="http://schemas.openxmlformats.org/officeDocument/2006/relationships" xmlns:p="http://schemas.openxmlformats.org/presentationml/2006/main" showMasterSp="0" type="objTx" preserve="1">
   <p:cSld name="内容与标题">
     <p:spTree>
       <p:nvGrpSpPr>
@@ -2285,7 +2268,6 @@
               <a:rPr lang="zh-CN" altLang="en-US"/>
               <a:t>单击此处编辑母版文本样式</a:t>
             </a:r>
-            <a:endParaRPr lang="zh-CN" altLang="en-US"/>
           </a:p>
           <a:p>
             <a:pPr lvl="1"/>
@@ -2293,7 +2275,6 @@
               <a:rPr lang="zh-CN" altLang="en-US"/>
               <a:t>二级</a:t>
             </a:r>
-            <a:endParaRPr lang="zh-CN" altLang="en-US"/>
           </a:p>
           <a:p>
             <a:pPr lvl="2"/>
@@ -2301,7 +2282,6 @@
               <a:rPr lang="zh-CN" altLang="en-US"/>
               <a:t>三级</a:t>
             </a:r>
-            <a:endParaRPr lang="zh-CN" altLang="en-US"/>
           </a:p>
           <a:p>
             <a:pPr lvl="3"/>
@@ -2309,7 +2289,6 @@
               <a:rPr lang="zh-CN" altLang="en-US"/>
               <a:t>四级</a:t>
             </a:r>
-            <a:endParaRPr lang="zh-CN" altLang="en-US"/>
           </a:p>
           <a:p>
             <a:pPr lvl="4"/>
@@ -2389,7 +2368,6 @@
               <a:rPr lang="zh-CN" altLang="en-US"/>
               <a:t>单击此处编辑母版文本样式</a:t>
             </a:r>
-            <a:endParaRPr lang="zh-CN" altLang="en-US"/>
           </a:p>
         </p:txBody>
       </p:sp>
@@ -2478,6 +2456,7 @@
           <a:p>
             <a:fld id="{03C3F5E1-8BEB-46F8-B0C6-3051342B5E98}" type="slidenum">
               <a:rPr lang="en-US" smtClean="0"/>
+              <a:t>‹#›</a:t>
             </a:fld>
             <a:endParaRPr lang="en-US" dirty="0"/>
           </a:p>
@@ -2492,7 +2471,7 @@
 </file>
 
 <file path=ppt/slideLayouts/slideLayout9.xml><?xml version="1.0" encoding="utf-8"?>
-<p:sldLayout xmlns:a="http://schemas.openxmlformats.org/drawingml/2006/main" xmlns:r="http://schemas.openxmlformats.org/officeDocument/2006/relationships" xmlns:p="http://schemas.openxmlformats.org/presentationml/2006/main" type="picTx" preserve="1" showMasterSp="0">
+<p:sldLayout xmlns:a="http://schemas.openxmlformats.org/drawingml/2006/main" xmlns:r="http://schemas.openxmlformats.org/officeDocument/2006/relationships" xmlns:p="http://schemas.openxmlformats.org/presentationml/2006/main" showMasterSp="0" type="picTx" preserve="1">
   <p:cSld name="图片与标题">
     <p:spTree>
       <p:nvGrpSpPr>
@@ -2733,7 +2712,6 @@
               <a:rPr lang="zh-CN" altLang="en-US"/>
               <a:t>单击此处编辑母版文本样式</a:t>
             </a:r>
-            <a:endParaRPr lang="zh-CN" altLang="en-US"/>
           </a:p>
         </p:txBody>
       </p:sp>
@@ -2792,6 +2770,7 @@
           <a:p>
             <a:fld id="{03C3F5E1-8BEB-46F8-B0C6-3051342B5E98}" type="slidenum">
               <a:rPr lang="en-US" smtClean="0"/>
+              <a:t>‹#›</a:t>
             </a:fld>
             <a:endParaRPr lang="en-US"/>
           </a:p>
@@ -2928,7 +2907,6 @@
               <a:rPr lang="zh-CN" altLang="en-US" dirty="0"/>
               <a:t>单击此处编辑母版文本样式</a:t>
             </a:r>
-            <a:endParaRPr lang="zh-CN" altLang="en-US" dirty="0"/>
           </a:p>
           <a:p>
             <a:pPr lvl="1"/>
@@ -2936,7 +2914,6 @@
               <a:rPr lang="zh-CN" altLang="en-US" dirty="0"/>
               <a:t>二级</a:t>
             </a:r>
-            <a:endParaRPr lang="zh-CN" altLang="en-US" dirty="0"/>
           </a:p>
           <a:p>
             <a:pPr lvl="2"/>
@@ -2944,7 +2921,6 @@
               <a:rPr lang="zh-CN" altLang="en-US" dirty="0"/>
               <a:t>三级</a:t>
             </a:r>
-            <a:endParaRPr lang="zh-CN" altLang="en-US" dirty="0"/>
           </a:p>
           <a:p>
             <a:pPr lvl="3"/>
@@ -2952,7 +2928,6 @@
               <a:rPr lang="zh-CN" altLang="en-US" dirty="0"/>
               <a:t>四级</a:t>
             </a:r>
-            <a:endParaRPr lang="zh-CN" altLang="en-US" dirty="0"/>
           </a:p>
           <a:p>
             <a:pPr lvl="4"/>
@@ -3067,6 +3042,7 @@
           <a:p>
             <a:fld id="{03C3F5E1-8BEB-46F8-B0C6-3051342B5E98}" type="slidenum">
               <a:rPr lang="en-US" smtClean="0"/>
+              <a:t>‹#›</a:t>
             </a:fld>
             <a:endParaRPr lang="en-US" dirty="0"/>
           </a:p>
@@ -3556,34 +3532,12 @@
         <p:spPr/>
         <p:txBody>
           <a:bodyPr>
-            <a:normAutofit lnSpcReduction="10000"/>
+            <a:normAutofit/>
           </a:bodyPr>
           <a:lstStyle/>
           <a:p>
             <a:pPr algn="l"/>
             <a:endParaRPr kumimoji="1" lang="zh-CN" altLang="en-US" dirty="0"/>
-          </a:p>
-          <a:p>
-            <a:pPr algn="l"/>
-            <a:r>
-              <a:rPr kumimoji="1" lang="zh-CN" altLang="en-US" dirty="0"/>
-              <a:t>《</a:t>
-            </a:r>
-            <a:r>
-              <a:rPr kumimoji="1" lang="zh-CN" altLang="en-US" dirty="0">
-                <a:sym typeface="+mn-ea"/>
-              </a:rPr>
-              <a:t>体育经济分析</a:t>
-            </a:r>
-            <a:r>
-              <a:rPr kumimoji="1" lang="zh-CN" altLang="en-US" dirty="0"/>
-              <a:t>》</a:t>
-            </a:r>
-            <a:r>
-              <a:rPr kumimoji="1" lang="en-US" altLang="zh-CN" dirty="0"/>
-              <a:t>,	2022/5/20</a:t>
-            </a:r>
-            <a:endParaRPr kumimoji="1" lang="en-US" altLang="zh-CN" dirty="0"/>
           </a:p>
           <a:p>
             <a:pPr algn="l"/>
@@ -3688,7 +3642,6 @@
               <a:rPr dirty="0"/>
               <a:t>构</a:t>
             </a:r>
-            <a:endParaRPr dirty="0"/>
           </a:p>
         </p:txBody>
       </p:sp>
@@ -4266,7 +4219,77 @@
       </p:sp>
       <p:sp>
         <p:nvSpPr>
-          <p:cNvPr id="8" name="日期占位符 3"/>
+          <p:cNvPr id="9" name="页脚占位符 4"/>
+          <p:cNvSpPr>
+            <a:spLocks noGrp="1"/>
+          </p:cNvSpPr>
+          <p:nvPr>
+            <p:ph type="ftr" sz="quarter" idx="11"/>
+          </p:nvPr>
+        </p:nvSpPr>
+        <p:spPr>
+          <a:xfrm>
+            <a:off x="2764640" y="6459790"/>
+            <a:ext cx="3844882" cy="365125"/>
+          </a:xfrm>
+        </p:spPr>
+        <p:txBody>
+          <a:bodyPr/>
+          <a:lstStyle/>
+          <a:p>
+            <a:pPr algn="l"/>
+            <a:r>
+              <a:rPr lang="zh-CN" altLang="en-US" dirty="0"/>
+              <a:t>周正卿	 体育经济分析      学术</a:t>
+            </a:r>
+            <a:r>
+              <a:rPr lang="en-GB" altLang="zh-CN" dirty="0"/>
+              <a:t>PPT</a:t>
+            </a:r>
+            <a:r>
+              <a:rPr lang="zh-CN" altLang="en-US" dirty="0"/>
+              <a:t>制作</a:t>
+            </a:r>
+          </a:p>
+        </p:txBody>
+      </p:sp>
+      <p:sp>
+        <p:nvSpPr>
+          <p:cNvPr id="10" name="灯片编号占位符 5"/>
+          <p:cNvSpPr>
+            <a:spLocks noGrp="1"/>
+          </p:cNvSpPr>
+          <p:nvPr>
+            <p:ph type="sldNum" sz="quarter" idx="12"/>
+          </p:nvPr>
+        </p:nvSpPr>
+        <p:spPr>
+          <a:xfrm>
+            <a:off x="7425346" y="6459790"/>
+            <a:ext cx="984019" cy="365125"/>
+          </a:xfrm>
+        </p:spPr>
+        <p:txBody>
+          <a:bodyPr/>
+          <a:lstStyle/>
+          <a:p>
+            <a:fld id="{03C3F5E1-8BEB-46F8-B0C6-3051342B5E98}" type="slidenum">
+              <a:rPr lang="en-US" smtClean="0"/>
+              <a:t>10</a:t>
+            </a:fld>
+            <a:endParaRPr lang="en-US" dirty="0"/>
+          </a:p>
+        </p:txBody>
+      </p:sp>
+      <p:sp>
+        <p:nvSpPr>
+          <p:cNvPr id="4" name="日期占位符 3">
+            <a:extLst>
+              <a:ext uri="{FF2B5EF4-FFF2-40B4-BE49-F238E27FC236}">
+                <a16:creationId xmlns:a16="http://schemas.microsoft.com/office/drawing/2014/main" id="{23F8B123-DDE6-9D41-CA16-8E026CFCB555}"/>
+              </a:ext>
+            </a:extLst>
+          </p:cNvPr>
           <p:cNvSpPr>
             <a:spLocks noGrp="1"/>
           </p:cNvSpPr>
@@ -4286,72 +4309,28 @@
           <a:p>
             <a:r>
               <a:rPr lang="en-US" dirty="0"/>
-              <a:t>2022/1/23</a:t>
-            </a:r>
-            <a:endParaRPr lang="en-US" dirty="0"/>
-          </a:p>
-        </p:txBody>
-      </p:sp>
-      <p:sp>
-        <p:nvSpPr>
-          <p:cNvPr id="9" name="页脚占位符 4"/>
-          <p:cNvSpPr>
-            <a:spLocks noGrp="1"/>
-          </p:cNvSpPr>
-          <p:nvPr>
-            <p:ph type="ftr" sz="quarter" idx="11"/>
-          </p:nvPr>
-        </p:nvSpPr>
-        <p:spPr>
-          <a:xfrm>
-            <a:off x="2764640" y="6459790"/>
-            <a:ext cx="3844882" cy="365125"/>
-          </a:xfrm>
-        </p:spPr>
-        <p:txBody>
-          <a:bodyPr/>
-          <a:lstStyle/>
-          <a:p>
-            <a:pPr algn="l"/>
-            <a:r>
-              <a:rPr lang="zh-CN" altLang="en-US" dirty="0"/>
-              <a:t>周正卿	 体育经济分析      学术</a:t>
-            </a:r>
-            <a:r>
-              <a:rPr lang="en-GB" altLang="zh-CN" dirty="0"/>
-              <a:t>PPT</a:t>
-            </a:r>
-            <a:r>
-              <a:rPr lang="zh-CN" altLang="en-US" dirty="0"/>
-              <a:t>制作</a:t>
-            </a:r>
-            <a:endParaRPr lang="zh-CN" altLang="en-US" dirty="0"/>
-          </a:p>
-        </p:txBody>
-      </p:sp>
-      <p:sp>
-        <p:nvSpPr>
-          <p:cNvPr id="10" name="灯片编号占位符 5"/>
-          <p:cNvSpPr>
-            <a:spLocks noGrp="1"/>
-          </p:cNvSpPr>
-          <p:nvPr>
-            <p:ph type="sldNum" sz="quarter" idx="12"/>
-          </p:nvPr>
-        </p:nvSpPr>
-        <p:spPr>
-          <a:xfrm>
-            <a:off x="7425346" y="6459790"/>
-            <a:ext cx="984019" cy="365125"/>
-          </a:xfrm>
-        </p:spPr>
-        <p:txBody>
-          <a:bodyPr/>
-          <a:lstStyle/>
-          <a:p>
-            <a:fld id="{03C3F5E1-8BEB-46F8-B0C6-3051342B5E98}" type="slidenum">
-              <a:rPr lang="en-US" smtClean="0"/>
-            </a:fld>
+              <a:t>202</a:t>
+            </a:r>
+            <a:r>
+              <a:rPr lang="en-US" altLang="zh-CN" dirty="0"/>
+              <a:t>3</a:t>
+            </a:r>
+            <a:r>
+              <a:rPr lang="en-US" dirty="0"/>
+              <a:t>/</a:t>
+            </a:r>
+            <a:r>
+              <a:rPr lang="en-US" altLang="zh-CN" dirty="0"/>
+              <a:t>8</a:t>
+            </a:r>
+            <a:r>
+              <a:rPr lang="en-US" dirty="0"/>
+              <a:t>/2</a:t>
+            </a:r>
+            <a:r>
+              <a:rPr lang="en-US" altLang="zh-CN" dirty="0"/>
+              <a:t>7</a:t>
+            </a:r>
             <a:endParaRPr lang="en-US" dirty="0"/>
           </a:p>
         </p:txBody>
@@ -4449,7 +4428,6 @@
               <a:rPr dirty="0"/>
               <a:t>炼</a:t>
             </a:r>
-            <a:endParaRPr dirty="0"/>
           </a:p>
         </p:txBody>
       </p:sp>
@@ -4495,7 +4473,6 @@
               <a:rPr dirty="0"/>
               <a:t>文字无需主谓宾语法完整；主体即可</a:t>
             </a:r>
-            <a:endParaRPr dirty="0"/>
           </a:p>
           <a:p>
             <a:pPr marL="530860" marR="5080" indent="-457200">
@@ -4519,7 +4496,6 @@
               <a:rPr dirty="0"/>
               <a:t>提取文献的主干内容：瞄准其引言中突出的主要边际 贡献</a:t>
             </a:r>
-            <a:endParaRPr dirty="0"/>
           </a:p>
           <a:p>
             <a:pPr marL="530860" indent="-457200">
@@ -4543,7 +4519,6 @@
               <a:rPr dirty="0"/>
               <a:t>把握理论框架、基本逻辑</a:t>
             </a:r>
-            <a:endParaRPr dirty="0"/>
           </a:p>
           <a:p>
             <a:pPr marL="530860" indent="-457200">
@@ -4578,7 +4553,6 @@
               <a:rPr dirty="0"/>
               <a:t>要素、市场、均衡</a:t>
             </a:r>
-            <a:endParaRPr dirty="0"/>
           </a:p>
           <a:p>
             <a:pPr marL="530860" marR="5080" indent="-457200">
@@ -4606,7 +4580,6 @@
               <a:rPr dirty="0"/>
               <a:t>突出解决内生性的方法与数据特征</a:t>
             </a:r>
-            <a:endParaRPr dirty="0"/>
           </a:p>
           <a:p>
             <a:pPr marL="530860" indent="-457200">
@@ -4630,13 +4603,82 @@
               <a:rPr dirty="0"/>
               <a:t>对关键概念、基本逻辑（故事）和结论一定要熟悉</a:t>
             </a:r>
-            <a:endParaRPr dirty="0"/>
-          </a:p>
-        </p:txBody>
-      </p:sp>
-      <p:sp>
-        <p:nvSpPr>
-          <p:cNvPr id="8" name="日期占位符 3"/>
+          </a:p>
+        </p:txBody>
+      </p:sp>
+      <p:sp>
+        <p:nvSpPr>
+          <p:cNvPr id="9" name="页脚占位符 4"/>
+          <p:cNvSpPr>
+            <a:spLocks noGrp="1"/>
+          </p:cNvSpPr>
+          <p:nvPr>
+            <p:ph type="ftr" sz="quarter" idx="11"/>
+          </p:nvPr>
+        </p:nvSpPr>
+        <p:spPr>
+          <a:xfrm>
+            <a:off x="2764640" y="6459790"/>
+            <a:ext cx="3844882" cy="365125"/>
+          </a:xfrm>
+        </p:spPr>
+        <p:txBody>
+          <a:bodyPr/>
+          <a:lstStyle/>
+          <a:p>
+            <a:pPr algn="l"/>
+            <a:r>
+              <a:rPr lang="zh-CN" altLang="en-US" dirty="0"/>
+              <a:t>周正卿	 体育经济分析      学术</a:t>
+            </a:r>
+            <a:r>
+              <a:rPr lang="en-GB" altLang="zh-CN" dirty="0"/>
+              <a:t>PPT</a:t>
+            </a:r>
+            <a:r>
+              <a:rPr lang="zh-CN" altLang="en-US" dirty="0"/>
+              <a:t>制作</a:t>
+            </a:r>
+          </a:p>
+        </p:txBody>
+      </p:sp>
+      <p:sp>
+        <p:nvSpPr>
+          <p:cNvPr id="10" name="灯片编号占位符 5"/>
+          <p:cNvSpPr>
+            <a:spLocks noGrp="1"/>
+          </p:cNvSpPr>
+          <p:nvPr>
+            <p:ph type="sldNum" sz="quarter" idx="12"/>
+          </p:nvPr>
+        </p:nvSpPr>
+        <p:spPr>
+          <a:xfrm>
+            <a:off x="7425346" y="6459790"/>
+            <a:ext cx="984019" cy="365125"/>
+          </a:xfrm>
+        </p:spPr>
+        <p:txBody>
+          <a:bodyPr/>
+          <a:lstStyle/>
+          <a:p>
+            <a:fld id="{03C3F5E1-8BEB-46F8-B0C6-3051342B5E98}" type="slidenum">
+              <a:rPr lang="en-US" smtClean="0"/>
+              <a:t>11</a:t>
+            </a:fld>
+            <a:endParaRPr lang="en-US" dirty="0"/>
+          </a:p>
+        </p:txBody>
+      </p:sp>
+      <p:sp>
+        <p:nvSpPr>
+          <p:cNvPr id="4" name="日期占位符 3">
+            <a:extLst>
+              <a:ext uri="{FF2B5EF4-FFF2-40B4-BE49-F238E27FC236}">
+                <a16:creationId xmlns:a16="http://schemas.microsoft.com/office/drawing/2014/main" id="{1BD095EB-12AF-05C5-FEB4-34B034EB59D6}"/>
+              </a:ext>
+            </a:extLst>
+          </p:cNvPr>
           <p:cNvSpPr>
             <a:spLocks noGrp="1"/>
           </p:cNvSpPr>
@@ -4656,72 +4698,28 @@
           <a:p>
             <a:r>
               <a:rPr lang="en-US" dirty="0"/>
-              <a:t>2022/1/23</a:t>
-            </a:r>
-            <a:endParaRPr lang="en-US" dirty="0"/>
-          </a:p>
-        </p:txBody>
-      </p:sp>
-      <p:sp>
-        <p:nvSpPr>
-          <p:cNvPr id="9" name="页脚占位符 4"/>
-          <p:cNvSpPr>
-            <a:spLocks noGrp="1"/>
-          </p:cNvSpPr>
-          <p:nvPr>
-            <p:ph type="ftr" sz="quarter" idx="11"/>
-          </p:nvPr>
-        </p:nvSpPr>
-        <p:spPr>
-          <a:xfrm>
-            <a:off x="2764640" y="6459790"/>
-            <a:ext cx="3844882" cy="365125"/>
-          </a:xfrm>
-        </p:spPr>
-        <p:txBody>
-          <a:bodyPr/>
-          <a:lstStyle/>
-          <a:p>
-            <a:pPr algn="l"/>
-            <a:r>
-              <a:rPr lang="zh-CN" altLang="en-US" dirty="0"/>
-              <a:t>周正卿	 体育经济分析      学术</a:t>
-            </a:r>
-            <a:r>
-              <a:rPr lang="en-GB" altLang="zh-CN" dirty="0"/>
-              <a:t>PPT</a:t>
-            </a:r>
-            <a:r>
-              <a:rPr lang="zh-CN" altLang="en-US" dirty="0"/>
-              <a:t>制作</a:t>
-            </a:r>
-            <a:endParaRPr lang="zh-CN" altLang="en-US" dirty="0"/>
-          </a:p>
-        </p:txBody>
-      </p:sp>
-      <p:sp>
-        <p:nvSpPr>
-          <p:cNvPr id="10" name="灯片编号占位符 5"/>
-          <p:cNvSpPr>
-            <a:spLocks noGrp="1"/>
-          </p:cNvSpPr>
-          <p:nvPr>
-            <p:ph type="sldNum" sz="quarter" idx="12"/>
-          </p:nvPr>
-        </p:nvSpPr>
-        <p:spPr>
-          <a:xfrm>
-            <a:off x="7425346" y="6459790"/>
-            <a:ext cx="984019" cy="365125"/>
-          </a:xfrm>
-        </p:spPr>
-        <p:txBody>
-          <a:bodyPr/>
-          <a:lstStyle/>
-          <a:p>
-            <a:fld id="{03C3F5E1-8BEB-46F8-B0C6-3051342B5E98}" type="slidenum">
-              <a:rPr lang="en-US" smtClean="0"/>
-            </a:fld>
+              <a:t>202</a:t>
+            </a:r>
+            <a:r>
+              <a:rPr lang="en-US" altLang="zh-CN" dirty="0"/>
+              <a:t>3</a:t>
+            </a:r>
+            <a:r>
+              <a:rPr lang="en-US" dirty="0"/>
+              <a:t>/</a:t>
+            </a:r>
+            <a:r>
+              <a:rPr lang="en-US" altLang="zh-CN" dirty="0"/>
+              <a:t>8</a:t>
+            </a:r>
+            <a:r>
+              <a:rPr lang="en-US" dirty="0"/>
+              <a:t>/2</a:t>
+            </a:r>
+            <a:r>
+              <a:rPr lang="en-US" altLang="zh-CN" dirty="0"/>
+              <a:t>7</a:t>
+            </a:r>
             <a:endParaRPr lang="en-US" dirty="0"/>
           </a:p>
         </p:txBody>
@@ -4799,7 +4797,6 @@
               <a:rPr spc="-40" dirty="0"/>
               <a:t>模板</a:t>
             </a:r>
-            <a:endParaRPr spc="-40" dirty="0"/>
           </a:p>
         </p:txBody>
       </p:sp>
@@ -4955,7 +4952,77 @@
       </p:sp>
       <p:sp>
         <p:nvSpPr>
-          <p:cNvPr id="8" name="日期占位符 3"/>
+          <p:cNvPr id="9" name="页脚占位符 4"/>
+          <p:cNvSpPr>
+            <a:spLocks noGrp="1"/>
+          </p:cNvSpPr>
+          <p:nvPr>
+            <p:ph type="ftr" sz="quarter" idx="11"/>
+          </p:nvPr>
+        </p:nvSpPr>
+        <p:spPr>
+          <a:xfrm>
+            <a:off x="2764640" y="6459790"/>
+            <a:ext cx="3844882" cy="365125"/>
+          </a:xfrm>
+        </p:spPr>
+        <p:txBody>
+          <a:bodyPr/>
+          <a:lstStyle/>
+          <a:p>
+            <a:pPr algn="l"/>
+            <a:r>
+              <a:rPr lang="zh-CN" altLang="en-US" dirty="0"/>
+              <a:t>周正卿	 体育经济分析      学术</a:t>
+            </a:r>
+            <a:r>
+              <a:rPr lang="en-GB" altLang="zh-CN" dirty="0"/>
+              <a:t>PPT</a:t>
+            </a:r>
+            <a:r>
+              <a:rPr lang="zh-CN" altLang="en-US" dirty="0"/>
+              <a:t>制作</a:t>
+            </a:r>
+          </a:p>
+        </p:txBody>
+      </p:sp>
+      <p:sp>
+        <p:nvSpPr>
+          <p:cNvPr id="10" name="灯片编号占位符 5"/>
+          <p:cNvSpPr>
+            <a:spLocks noGrp="1"/>
+          </p:cNvSpPr>
+          <p:nvPr>
+            <p:ph type="sldNum" sz="quarter" idx="12"/>
+          </p:nvPr>
+        </p:nvSpPr>
+        <p:spPr>
+          <a:xfrm>
+            <a:off x="7425346" y="6459790"/>
+            <a:ext cx="984019" cy="365125"/>
+          </a:xfrm>
+        </p:spPr>
+        <p:txBody>
+          <a:bodyPr/>
+          <a:lstStyle/>
+          <a:p>
+            <a:fld id="{03C3F5E1-8BEB-46F8-B0C6-3051342B5E98}" type="slidenum">
+              <a:rPr lang="en-US" smtClean="0"/>
+              <a:t>12</a:t>
+            </a:fld>
+            <a:endParaRPr lang="en-US" dirty="0"/>
+          </a:p>
+        </p:txBody>
+      </p:sp>
+      <p:sp>
+        <p:nvSpPr>
+          <p:cNvPr id="4" name="日期占位符 3">
+            <a:extLst>
+              <a:ext uri="{FF2B5EF4-FFF2-40B4-BE49-F238E27FC236}">
+                <a16:creationId xmlns:a16="http://schemas.microsoft.com/office/drawing/2014/main" id="{1C931509-6965-269F-8324-9F08A84CF0A4}"/>
+              </a:ext>
+            </a:extLst>
+          </p:cNvPr>
           <p:cNvSpPr>
             <a:spLocks noGrp="1"/>
           </p:cNvSpPr>
@@ -4975,72 +5042,28 @@
           <a:p>
             <a:r>
               <a:rPr lang="en-US" dirty="0"/>
-              <a:t>2022/1/23</a:t>
-            </a:r>
-            <a:endParaRPr lang="en-US" dirty="0"/>
-          </a:p>
-        </p:txBody>
-      </p:sp>
-      <p:sp>
-        <p:nvSpPr>
-          <p:cNvPr id="9" name="页脚占位符 4"/>
-          <p:cNvSpPr>
-            <a:spLocks noGrp="1"/>
-          </p:cNvSpPr>
-          <p:nvPr>
-            <p:ph type="ftr" sz="quarter" idx="11"/>
-          </p:nvPr>
-        </p:nvSpPr>
-        <p:spPr>
-          <a:xfrm>
-            <a:off x="2764640" y="6459790"/>
-            <a:ext cx="3844882" cy="365125"/>
-          </a:xfrm>
-        </p:spPr>
-        <p:txBody>
-          <a:bodyPr/>
-          <a:lstStyle/>
-          <a:p>
-            <a:pPr algn="l"/>
-            <a:r>
-              <a:rPr lang="zh-CN" altLang="en-US" dirty="0"/>
-              <a:t>周正卿	 体育经济分析      学术</a:t>
-            </a:r>
-            <a:r>
-              <a:rPr lang="en-GB" altLang="zh-CN" dirty="0"/>
-              <a:t>PPT</a:t>
-            </a:r>
-            <a:r>
-              <a:rPr lang="zh-CN" altLang="en-US" dirty="0"/>
-              <a:t>制作</a:t>
-            </a:r>
-            <a:endParaRPr lang="zh-CN" altLang="en-US" dirty="0"/>
-          </a:p>
-        </p:txBody>
-      </p:sp>
-      <p:sp>
-        <p:nvSpPr>
-          <p:cNvPr id="10" name="灯片编号占位符 5"/>
-          <p:cNvSpPr>
-            <a:spLocks noGrp="1"/>
-          </p:cNvSpPr>
-          <p:nvPr>
-            <p:ph type="sldNum" sz="quarter" idx="12"/>
-          </p:nvPr>
-        </p:nvSpPr>
-        <p:spPr>
-          <a:xfrm>
-            <a:off x="7425346" y="6459790"/>
-            <a:ext cx="984019" cy="365125"/>
-          </a:xfrm>
-        </p:spPr>
-        <p:txBody>
-          <a:bodyPr/>
-          <a:lstStyle/>
-          <a:p>
-            <a:fld id="{03C3F5E1-8BEB-46F8-B0C6-3051342B5E98}" type="slidenum">
-              <a:rPr lang="en-US" smtClean="0"/>
-            </a:fld>
+              <a:t>202</a:t>
+            </a:r>
+            <a:r>
+              <a:rPr lang="en-US" altLang="zh-CN" dirty="0"/>
+              <a:t>3</a:t>
+            </a:r>
+            <a:r>
+              <a:rPr lang="en-US" dirty="0"/>
+              <a:t>/</a:t>
+            </a:r>
+            <a:r>
+              <a:rPr lang="en-US" altLang="zh-CN" dirty="0"/>
+              <a:t>8</a:t>
+            </a:r>
+            <a:r>
+              <a:rPr lang="en-US" dirty="0"/>
+              <a:t>/2</a:t>
+            </a:r>
+            <a:r>
+              <a:rPr lang="en-US" altLang="zh-CN" dirty="0"/>
+              <a:t>7</a:t>
+            </a:r>
             <a:endParaRPr lang="en-US" dirty="0"/>
           </a:p>
         </p:txBody>
@@ -5089,7 +5112,6 @@
               <a:rPr kumimoji="1" lang="zh-CN" altLang="en-US" dirty="0"/>
               <a:t>内容</a:t>
             </a:r>
-            <a:endParaRPr kumimoji="1" lang="zh-CN" altLang="en-US" dirty="0"/>
           </a:p>
         </p:txBody>
       </p:sp>
@@ -5130,7 +5152,6 @@
               <a:rPr kumimoji="1" lang="zh-CN" altLang="en-US" dirty="0"/>
               <a:t>学术报告范例</a:t>
             </a:r>
-            <a:endParaRPr kumimoji="1" lang="zh-CN" altLang="en-US" dirty="0"/>
           </a:p>
           <a:p>
             <a:pPr lvl="1"/>
@@ -5138,7 +5159,6 @@
               <a:rPr kumimoji="1" lang="zh-CN" altLang="en-US" dirty="0"/>
               <a:t>实证研究</a:t>
             </a:r>
-            <a:endParaRPr kumimoji="1" lang="zh-CN" altLang="en-US" dirty="0"/>
           </a:p>
           <a:p>
             <a:pPr lvl="1"/>
@@ -5146,11 +5166,10 @@
               <a:rPr kumimoji="1" lang="zh-CN" altLang="en-US" dirty="0"/>
               <a:t>理论研究</a:t>
             </a:r>
+          </a:p>
+          <a:p>
             <a:endParaRPr kumimoji="1" lang="zh-CN" altLang="en-US" dirty="0"/>
           </a:p>
-          <a:p>
-            <a:endParaRPr kumimoji="1" lang="zh-CN" altLang="en-US" dirty="0"/>
-          </a:p>
         </p:txBody>
       </p:sp>
       <p:sp>
@@ -5170,7 +5189,27 @@
           <a:p>
             <a:r>
               <a:rPr lang="en-US" dirty="0"/>
-              <a:t>2022/1/23</a:t>
+              <a:t>202</a:t>
+            </a:r>
+            <a:r>
+              <a:rPr lang="en-US" altLang="zh-CN" dirty="0"/>
+              <a:t>3</a:t>
+            </a:r>
+            <a:r>
+              <a:rPr lang="en-US" dirty="0"/>
+              <a:t>/</a:t>
+            </a:r>
+            <a:r>
+              <a:rPr lang="en-US" altLang="zh-CN" dirty="0"/>
+              <a:t>8</a:t>
+            </a:r>
+            <a:r>
+              <a:rPr lang="en-US" dirty="0"/>
+              <a:t>/2</a:t>
+            </a:r>
+            <a:r>
+              <a:rPr lang="en-US" altLang="zh-CN" dirty="0"/>
+              <a:t>7</a:t>
             </a:r>
             <a:endParaRPr lang="en-US" dirty="0"/>
           </a:p>
@@ -5209,7 +5248,6 @@
               <a:rPr lang="zh-CN" altLang="en-US" dirty="0"/>
               <a:t>制作</a:t>
             </a:r>
-            <a:endParaRPr lang="zh-CN" altLang="en-US" dirty="0"/>
           </a:p>
         </p:txBody>
       </p:sp>
@@ -5230,6 +5268,7 @@
           <a:p>
             <a:fld id="{03C3F5E1-8BEB-46F8-B0C6-3051342B5E98}" type="slidenum">
               <a:rPr lang="en-US" smtClean="0"/>
+              <a:t>2</a:t>
             </a:fld>
             <a:endParaRPr lang="en-US" dirty="0"/>
           </a:p>
@@ -5289,7 +5328,6 @@
               <a:rPr kumimoji="1" lang="zh-CN" altLang="en-US" dirty="0"/>
               <a:t>原则</a:t>
             </a:r>
-            <a:endParaRPr kumimoji="1" lang="zh-CN" altLang="en-US" dirty="0"/>
           </a:p>
         </p:txBody>
       </p:sp>
@@ -5312,7 +5350,6 @@
               <a:rPr kumimoji="1" lang="zh-CN" altLang="en-US" dirty="0"/>
               <a:t>排版：专业，统一，简明</a:t>
             </a:r>
-            <a:endParaRPr kumimoji="1" lang="zh-CN" altLang="en-US" dirty="0"/>
           </a:p>
           <a:p>
             <a:endParaRPr kumimoji="1" lang="zh-CN" altLang="en-US" dirty="0"/>
@@ -5322,7 +5359,6 @@
               <a:rPr kumimoji="1" lang="zh-CN" altLang="en-US" dirty="0"/>
               <a:t>内容：逻辑结构，精炼</a:t>
             </a:r>
-            <a:endParaRPr kumimoji="1" lang="zh-CN" altLang="en-US" dirty="0"/>
           </a:p>
           <a:p>
             <a:endParaRPr kumimoji="1" lang="zh-CN" altLang="en-US" dirty="0"/>
@@ -5340,33 +5376,9 @@
               <a:rPr kumimoji="1" lang="zh-CN" altLang="en-US" dirty="0"/>
               <a:t>模板</a:t>
             </a:r>
+          </a:p>
+          <a:p>
             <a:endParaRPr kumimoji="1" lang="zh-CN" altLang="en-US" dirty="0"/>
-          </a:p>
-          <a:p>
-            <a:endParaRPr kumimoji="1" lang="zh-CN" altLang="en-US" dirty="0"/>
-          </a:p>
-        </p:txBody>
-      </p:sp>
-      <p:sp>
-        <p:nvSpPr>
-          <p:cNvPr id="4" name="日期占位符 3"/>
-          <p:cNvSpPr>
-            <a:spLocks noGrp="1"/>
-          </p:cNvSpPr>
-          <p:nvPr>
-            <p:ph type="dt" sz="half" idx="10"/>
-          </p:nvPr>
-        </p:nvSpPr>
-        <p:spPr/>
-        <p:txBody>
-          <a:bodyPr/>
-          <a:lstStyle/>
-          <a:p>
-            <a:r>
-              <a:rPr lang="en-US" dirty="0"/>
-              <a:t>2022/1/23</a:t>
-            </a:r>
-            <a:endParaRPr lang="en-US" dirty="0"/>
           </a:p>
         </p:txBody>
       </p:sp>
@@ -5403,7 +5415,6 @@
               <a:rPr lang="zh-CN" altLang="en-US" dirty="0"/>
               <a:t>制作</a:t>
             </a:r>
-            <a:endParaRPr lang="zh-CN" altLang="en-US" dirty="0"/>
           </a:p>
         </p:txBody>
       </p:sp>
@@ -5424,7 +5435,62 @@
           <a:p>
             <a:fld id="{03C3F5E1-8BEB-46F8-B0C6-3051342B5E98}" type="slidenum">
               <a:rPr lang="en-US" smtClean="0"/>
+              <a:t>3</a:t>
             </a:fld>
+            <a:endParaRPr lang="en-US" dirty="0"/>
+          </a:p>
+        </p:txBody>
+      </p:sp>
+      <p:sp>
+        <p:nvSpPr>
+          <p:cNvPr id="8" name="日期占位符 3">
+            <a:extLst>
+              <a:ext uri="{FF2B5EF4-FFF2-40B4-BE49-F238E27FC236}">
+                <a16:creationId xmlns:a16="http://schemas.microsoft.com/office/drawing/2014/main" id="{E523C7E3-812A-70BF-9321-A2021E11114E}"/>
+              </a:ext>
+            </a:extLst>
+          </p:cNvPr>
+          <p:cNvSpPr>
+            <a:spLocks noGrp="1"/>
+          </p:cNvSpPr>
+          <p:nvPr>
+            <p:ph type="dt" sz="half" idx="10"/>
+          </p:nvPr>
+        </p:nvSpPr>
+        <p:spPr>
+          <a:xfrm>
+            <a:off x="822963" y="6459790"/>
+            <a:ext cx="1854203" cy="365125"/>
+          </a:xfrm>
+        </p:spPr>
+        <p:txBody>
+          <a:bodyPr/>
+          <a:lstStyle/>
+          <a:p>
+            <a:r>
+              <a:rPr lang="en-US" dirty="0"/>
+              <a:t>202</a:t>
+            </a:r>
+            <a:r>
+              <a:rPr lang="en-US" altLang="zh-CN" dirty="0"/>
+              <a:t>3</a:t>
+            </a:r>
+            <a:r>
+              <a:rPr lang="en-US" dirty="0"/>
+              <a:t>/</a:t>
+            </a:r>
+            <a:r>
+              <a:rPr lang="en-US" altLang="zh-CN" dirty="0"/>
+              <a:t>8</a:t>
+            </a:r>
+            <a:r>
+              <a:rPr lang="en-US" dirty="0"/>
+              <a:t>/2</a:t>
+            </a:r>
+            <a:r>
+              <a:rPr lang="en-US" altLang="zh-CN" dirty="0"/>
+              <a:t>7</a:t>
+            </a:r>
             <a:endParaRPr lang="en-US" dirty="0"/>
           </a:p>
         </p:txBody>
@@ -5522,7 +5588,6 @@
               <a:rPr dirty="0"/>
               <a:t>业</a:t>
             </a:r>
-            <a:endParaRPr dirty="0"/>
           </a:p>
         </p:txBody>
       </p:sp>
@@ -6477,7 +6542,77 @@
       </p:sp>
       <p:sp>
         <p:nvSpPr>
-          <p:cNvPr id="13" name="日期占位符 3"/>
+          <p:cNvPr id="14" name="页脚占位符 4"/>
+          <p:cNvSpPr>
+            <a:spLocks noGrp="1"/>
+          </p:cNvSpPr>
+          <p:nvPr>
+            <p:ph type="ftr" sz="quarter" idx="11"/>
+          </p:nvPr>
+        </p:nvSpPr>
+        <p:spPr>
+          <a:xfrm>
+            <a:off x="2764640" y="6459790"/>
+            <a:ext cx="3844882" cy="365125"/>
+          </a:xfrm>
+        </p:spPr>
+        <p:txBody>
+          <a:bodyPr/>
+          <a:lstStyle/>
+          <a:p>
+            <a:pPr algn="l"/>
+            <a:r>
+              <a:rPr lang="zh-CN" altLang="en-US" dirty="0"/>
+              <a:t>周正卿	 体育经济分析      学术</a:t>
+            </a:r>
+            <a:r>
+              <a:rPr lang="en-GB" altLang="zh-CN" dirty="0"/>
+              <a:t>PPT</a:t>
+            </a:r>
+            <a:r>
+              <a:rPr lang="zh-CN" altLang="en-US" dirty="0"/>
+              <a:t>制作</a:t>
+            </a:r>
+          </a:p>
+        </p:txBody>
+      </p:sp>
+      <p:sp>
+        <p:nvSpPr>
+          <p:cNvPr id="15" name="灯片编号占位符 5"/>
+          <p:cNvSpPr>
+            <a:spLocks noGrp="1"/>
+          </p:cNvSpPr>
+          <p:nvPr>
+            <p:ph type="sldNum" sz="quarter" idx="12"/>
+          </p:nvPr>
+        </p:nvSpPr>
+        <p:spPr>
+          <a:xfrm>
+            <a:off x="7425346" y="6459790"/>
+            <a:ext cx="984019" cy="365125"/>
+          </a:xfrm>
+        </p:spPr>
+        <p:txBody>
+          <a:bodyPr/>
+          <a:lstStyle/>
+          <a:p>
+            <a:fld id="{03C3F5E1-8BEB-46F8-B0C6-3051342B5E98}" type="slidenum">
+              <a:rPr lang="en-US" smtClean="0"/>
+              <a:t>4</a:t>
+            </a:fld>
+            <a:endParaRPr lang="en-US" dirty="0"/>
+          </a:p>
+        </p:txBody>
+      </p:sp>
+      <p:sp>
+        <p:nvSpPr>
+          <p:cNvPr id="9" name="日期占位符 3">
+            <a:extLst>
+              <a:ext uri="{FF2B5EF4-FFF2-40B4-BE49-F238E27FC236}">
+                <a16:creationId xmlns:a16="http://schemas.microsoft.com/office/drawing/2014/main" id="{A2DFA69E-0957-F6A6-7080-5769BA136E17}"/>
+              </a:ext>
+            </a:extLst>
+          </p:cNvPr>
           <p:cNvSpPr>
             <a:spLocks noGrp="1"/>
           </p:cNvSpPr>
@@ -6497,72 +6632,28 @@
           <a:p>
             <a:r>
               <a:rPr lang="en-US" dirty="0"/>
-              <a:t>2022/1/23</a:t>
-            </a:r>
-            <a:endParaRPr lang="en-US" dirty="0"/>
-          </a:p>
-        </p:txBody>
-      </p:sp>
-      <p:sp>
-        <p:nvSpPr>
-          <p:cNvPr id="14" name="页脚占位符 4"/>
-          <p:cNvSpPr>
-            <a:spLocks noGrp="1"/>
-          </p:cNvSpPr>
-          <p:nvPr>
-            <p:ph type="ftr" sz="quarter" idx="11"/>
-          </p:nvPr>
-        </p:nvSpPr>
-        <p:spPr>
-          <a:xfrm>
-            <a:off x="2764640" y="6459790"/>
-            <a:ext cx="3844882" cy="365125"/>
-          </a:xfrm>
-        </p:spPr>
-        <p:txBody>
-          <a:bodyPr/>
-          <a:lstStyle/>
-          <a:p>
-            <a:pPr algn="l"/>
-            <a:r>
-              <a:rPr lang="zh-CN" altLang="en-US" dirty="0"/>
-              <a:t>周正卿	 体育经济分析      学术</a:t>
-            </a:r>
-            <a:r>
-              <a:rPr lang="en-GB" altLang="zh-CN" dirty="0"/>
-              <a:t>PPT</a:t>
-            </a:r>
-            <a:r>
-              <a:rPr lang="zh-CN" altLang="en-US" dirty="0"/>
-              <a:t>制作</a:t>
-            </a:r>
-            <a:endParaRPr lang="zh-CN" altLang="en-US" dirty="0"/>
-          </a:p>
-        </p:txBody>
-      </p:sp>
-      <p:sp>
-        <p:nvSpPr>
-          <p:cNvPr id="15" name="灯片编号占位符 5"/>
-          <p:cNvSpPr>
-            <a:spLocks noGrp="1"/>
-          </p:cNvSpPr>
-          <p:nvPr>
-            <p:ph type="sldNum" sz="quarter" idx="12"/>
-          </p:nvPr>
-        </p:nvSpPr>
-        <p:spPr>
-          <a:xfrm>
-            <a:off x="7425346" y="6459790"/>
-            <a:ext cx="984019" cy="365125"/>
-          </a:xfrm>
-        </p:spPr>
-        <p:txBody>
-          <a:bodyPr/>
-          <a:lstStyle/>
-          <a:p>
-            <a:fld id="{03C3F5E1-8BEB-46F8-B0C6-3051342B5E98}" type="slidenum">
-              <a:rPr lang="en-US" smtClean="0"/>
-            </a:fld>
+              <a:t>202</a:t>
+            </a:r>
+            <a:r>
+              <a:rPr lang="en-US" altLang="zh-CN" dirty="0"/>
+              <a:t>3</a:t>
+            </a:r>
+            <a:r>
+              <a:rPr lang="en-US" dirty="0"/>
+              <a:t>/</a:t>
+            </a:r>
+            <a:r>
+              <a:rPr lang="en-US" altLang="zh-CN" dirty="0"/>
+              <a:t>8</a:t>
+            </a:r>
+            <a:r>
+              <a:rPr lang="en-US" dirty="0"/>
+              <a:t>/2</a:t>
+            </a:r>
+            <a:r>
+              <a:rPr lang="en-US" altLang="zh-CN" dirty="0"/>
+              <a:t>7</a:t>
+            </a:r>
             <a:endParaRPr lang="en-US" dirty="0"/>
           </a:p>
         </p:txBody>
@@ -6660,7 +6751,6 @@
               <a:rPr dirty="0"/>
               <a:t>业</a:t>
             </a:r>
-            <a:endParaRPr dirty="0"/>
           </a:p>
         </p:txBody>
       </p:sp>
@@ -6706,7 +6796,6 @@
               <a:rPr dirty="0"/>
               <a:t>数学表达式不要截图</a:t>
             </a:r>
-            <a:endParaRPr dirty="0"/>
           </a:p>
           <a:p>
             <a:pPr marL="60960">
@@ -6743,7 +6832,6 @@
               <a:rPr dirty="0"/>
               <a:t>表格尽量自行制作；如果截图，务必保证表格内容清 晰可见</a:t>
             </a:r>
-            <a:endParaRPr dirty="0"/>
           </a:p>
           <a:p>
             <a:pPr marL="530860" indent="-457200">
@@ -6767,7 +6855,6 @@
               <a:rPr dirty="0"/>
               <a:t>重要的插图可以使用截图</a:t>
             </a:r>
-            <a:endParaRPr dirty="0"/>
           </a:p>
           <a:p>
             <a:pPr marL="530860" marR="5080" indent="-457200">
@@ -6795,7 +6882,6 @@
               <a:rPr dirty="0"/>
               <a:t>而是另起一段，标明结构名称</a:t>
             </a:r>
-            <a:endParaRPr dirty="0"/>
           </a:p>
           <a:p>
             <a:pPr marL="73660">
@@ -6832,7 +6918,6 @@
               <a:rPr dirty="0"/>
               <a:t>中定理结构应该用不同段落标示</a:t>
             </a:r>
-            <a:endParaRPr dirty="0"/>
           </a:p>
         </p:txBody>
       </p:sp>
@@ -6843,7 +6928,7 @@
           <p:nvPr/>
         </p:nvPicPr>
         <p:blipFill>
-          <a:blip r:embed="rId1" cstate="print"/>
+          <a:blip r:embed="rId2" cstate="print"/>
           <a:stretch>
             <a:fillRect/>
           </a:stretch>
@@ -6860,7 +6945,77 @@
       </p:pic>
       <p:sp>
         <p:nvSpPr>
-          <p:cNvPr id="9" name="日期占位符 3"/>
+          <p:cNvPr id="10" name="页脚占位符 4"/>
+          <p:cNvSpPr>
+            <a:spLocks noGrp="1"/>
+          </p:cNvSpPr>
+          <p:nvPr>
+            <p:ph type="ftr" sz="quarter" idx="11"/>
+          </p:nvPr>
+        </p:nvSpPr>
+        <p:spPr>
+          <a:xfrm>
+            <a:off x="2764640" y="6459790"/>
+            <a:ext cx="3844882" cy="365125"/>
+          </a:xfrm>
+        </p:spPr>
+        <p:txBody>
+          <a:bodyPr/>
+          <a:lstStyle/>
+          <a:p>
+            <a:pPr algn="l"/>
+            <a:r>
+              <a:rPr lang="zh-CN" altLang="en-US" dirty="0"/>
+              <a:t>周正卿	 体育经济分析      学术</a:t>
+            </a:r>
+            <a:r>
+              <a:rPr lang="en-GB" altLang="zh-CN" dirty="0"/>
+              <a:t>PPT</a:t>
+            </a:r>
+            <a:r>
+              <a:rPr lang="zh-CN" altLang="en-US" dirty="0"/>
+              <a:t>制作</a:t>
+            </a:r>
+          </a:p>
+        </p:txBody>
+      </p:sp>
+      <p:sp>
+        <p:nvSpPr>
+          <p:cNvPr id="11" name="灯片编号占位符 5"/>
+          <p:cNvSpPr>
+            <a:spLocks noGrp="1"/>
+          </p:cNvSpPr>
+          <p:nvPr>
+            <p:ph type="sldNum" sz="quarter" idx="12"/>
+          </p:nvPr>
+        </p:nvSpPr>
+        <p:spPr>
+          <a:xfrm>
+            <a:off x="7425346" y="6459790"/>
+            <a:ext cx="984019" cy="365125"/>
+          </a:xfrm>
+        </p:spPr>
+        <p:txBody>
+          <a:bodyPr/>
+          <a:lstStyle/>
+          <a:p>
+            <a:fld id="{03C3F5E1-8BEB-46F8-B0C6-3051342B5E98}" type="slidenum">
+              <a:rPr lang="en-US" smtClean="0"/>
+              <a:t>5</a:t>
+            </a:fld>
+            <a:endParaRPr lang="en-US" dirty="0"/>
+          </a:p>
+        </p:txBody>
+      </p:sp>
+      <p:sp>
+        <p:nvSpPr>
+          <p:cNvPr id="5" name="日期占位符 3">
+            <a:extLst>
+              <a:ext uri="{FF2B5EF4-FFF2-40B4-BE49-F238E27FC236}">
+                <a16:creationId xmlns:a16="http://schemas.microsoft.com/office/drawing/2014/main" id="{F953D39A-2362-950D-8E70-071A12DA4861}"/>
+              </a:ext>
+            </a:extLst>
+          </p:cNvPr>
           <p:cNvSpPr>
             <a:spLocks noGrp="1"/>
           </p:cNvSpPr>
@@ -6880,72 +7035,28 @@
           <a:p>
             <a:r>
               <a:rPr lang="en-US" dirty="0"/>
-              <a:t>2022/1/23</a:t>
-            </a:r>
-            <a:endParaRPr lang="en-US" dirty="0"/>
-          </a:p>
-        </p:txBody>
-      </p:sp>
-      <p:sp>
-        <p:nvSpPr>
-          <p:cNvPr id="10" name="页脚占位符 4"/>
-          <p:cNvSpPr>
-            <a:spLocks noGrp="1"/>
-          </p:cNvSpPr>
-          <p:nvPr>
-            <p:ph type="ftr" sz="quarter" idx="11"/>
-          </p:nvPr>
-        </p:nvSpPr>
-        <p:spPr>
-          <a:xfrm>
-            <a:off x="2764640" y="6459790"/>
-            <a:ext cx="3844882" cy="365125"/>
-          </a:xfrm>
-        </p:spPr>
-        <p:txBody>
-          <a:bodyPr/>
-          <a:lstStyle/>
-          <a:p>
-            <a:pPr algn="l"/>
-            <a:r>
-              <a:rPr lang="zh-CN" altLang="en-US" dirty="0"/>
-              <a:t>周正卿	 体育经济分析      学术</a:t>
-            </a:r>
-            <a:r>
-              <a:rPr lang="en-GB" altLang="zh-CN" dirty="0"/>
-              <a:t>PPT</a:t>
-            </a:r>
-            <a:r>
-              <a:rPr lang="zh-CN" altLang="en-US" dirty="0"/>
-              <a:t>制作</a:t>
-            </a:r>
-            <a:endParaRPr lang="zh-CN" altLang="en-US" dirty="0"/>
-          </a:p>
-        </p:txBody>
-      </p:sp>
-      <p:sp>
-        <p:nvSpPr>
-          <p:cNvPr id="11" name="灯片编号占位符 5"/>
-          <p:cNvSpPr>
-            <a:spLocks noGrp="1"/>
-          </p:cNvSpPr>
-          <p:nvPr>
-            <p:ph type="sldNum" sz="quarter" idx="12"/>
-          </p:nvPr>
-        </p:nvSpPr>
-        <p:spPr>
-          <a:xfrm>
-            <a:off x="7425346" y="6459790"/>
-            <a:ext cx="984019" cy="365125"/>
-          </a:xfrm>
-        </p:spPr>
-        <p:txBody>
-          <a:bodyPr/>
-          <a:lstStyle/>
-          <a:p>
-            <a:fld id="{03C3F5E1-8BEB-46F8-B0C6-3051342B5E98}" type="slidenum">
-              <a:rPr lang="en-US" smtClean="0"/>
-            </a:fld>
+              <a:t>202</a:t>
+            </a:r>
+            <a:r>
+              <a:rPr lang="en-US" altLang="zh-CN" dirty="0"/>
+              <a:t>3</a:t>
+            </a:r>
+            <a:r>
+              <a:rPr lang="en-US" dirty="0"/>
+              <a:t>/</a:t>
+            </a:r>
+            <a:r>
+              <a:rPr lang="en-US" altLang="zh-CN" dirty="0"/>
+              <a:t>8</a:t>
+            </a:r>
+            <a:r>
+              <a:rPr lang="en-US" dirty="0"/>
+              <a:t>/2</a:t>
+            </a:r>
+            <a:r>
+              <a:rPr lang="en-US" altLang="zh-CN" dirty="0"/>
+              <a:t>7</a:t>
+            </a:r>
             <a:endParaRPr lang="en-US" dirty="0"/>
           </a:p>
         </p:txBody>
@@ -7043,7 +7154,6 @@
               <a:rPr dirty="0"/>
               <a:t>一</a:t>
             </a:r>
-            <a:endParaRPr dirty="0"/>
           </a:p>
         </p:txBody>
       </p:sp>
@@ -7533,7 +7643,77 @@
       </p:sp>
       <p:sp>
         <p:nvSpPr>
-          <p:cNvPr id="8" name="日期占位符 3"/>
+          <p:cNvPr id="9" name="页脚占位符 4"/>
+          <p:cNvSpPr>
+            <a:spLocks noGrp="1"/>
+          </p:cNvSpPr>
+          <p:nvPr>
+            <p:ph type="ftr" sz="quarter" idx="11"/>
+          </p:nvPr>
+        </p:nvSpPr>
+        <p:spPr>
+          <a:xfrm>
+            <a:off x="2764640" y="6459790"/>
+            <a:ext cx="3844882" cy="365125"/>
+          </a:xfrm>
+        </p:spPr>
+        <p:txBody>
+          <a:bodyPr/>
+          <a:lstStyle/>
+          <a:p>
+            <a:pPr algn="l"/>
+            <a:r>
+              <a:rPr lang="zh-CN" altLang="en-US" dirty="0"/>
+              <a:t>周正卿	 体育经济分析      学术</a:t>
+            </a:r>
+            <a:r>
+              <a:rPr lang="en-GB" altLang="zh-CN" dirty="0"/>
+              <a:t>PPT</a:t>
+            </a:r>
+            <a:r>
+              <a:rPr lang="zh-CN" altLang="en-US" dirty="0"/>
+              <a:t>制作</a:t>
+            </a:r>
+          </a:p>
+        </p:txBody>
+      </p:sp>
+      <p:sp>
+        <p:nvSpPr>
+          <p:cNvPr id="10" name="灯片编号占位符 5"/>
+          <p:cNvSpPr>
+            <a:spLocks noGrp="1"/>
+          </p:cNvSpPr>
+          <p:nvPr>
+            <p:ph type="sldNum" sz="quarter" idx="12"/>
+          </p:nvPr>
+        </p:nvSpPr>
+        <p:spPr>
+          <a:xfrm>
+            <a:off x="7425346" y="6459790"/>
+            <a:ext cx="984019" cy="365125"/>
+          </a:xfrm>
+        </p:spPr>
+        <p:txBody>
+          <a:bodyPr/>
+          <a:lstStyle/>
+          <a:p>
+            <a:fld id="{03C3F5E1-8BEB-46F8-B0C6-3051342B5E98}" type="slidenum">
+              <a:rPr lang="en-US" smtClean="0"/>
+              <a:t>6</a:t>
+            </a:fld>
+            <a:endParaRPr lang="en-US" dirty="0"/>
+          </a:p>
+        </p:txBody>
+      </p:sp>
+      <p:sp>
+        <p:nvSpPr>
+          <p:cNvPr id="4" name="日期占位符 3">
+            <a:extLst>
+              <a:ext uri="{FF2B5EF4-FFF2-40B4-BE49-F238E27FC236}">
+                <a16:creationId xmlns:a16="http://schemas.microsoft.com/office/drawing/2014/main" id="{187EE6C5-A1FF-2473-03EC-1440E48AC15F}"/>
+              </a:ext>
+            </a:extLst>
+          </p:cNvPr>
           <p:cNvSpPr>
             <a:spLocks noGrp="1"/>
           </p:cNvSpPr>
@@ -7553,72 +7733,28 @@
           <a:p>
             <a:r>
               <a:rPr lang="en-US" dirty="0"/>
-              <a:t>2022/1/23</a:t>
-            </a:r>
-            <a:endParaRPr lang="en-US" dirty="0"/>
-          </a:p>
-        </p:txBody>
-      </p:sp>
-      <p:sp>
-        <p:nvSpPr>
-          <p:cNvPr id="9" name="页脚占位符 4"/>
-          <p:cNvSpPr>
-            <a:spLocks noGrp="1"/>
-          </p:cNvSpPr>
-          <p:nvPr>
-            <p:ph type="ftr" sz="quarter" idx="11"/>
-          </p:nvPr>
-        </p:nvSpPr>
-        <p:spPr>
-          <a:xfrm>
-            <a:off x="2764640" y="6459790"/>
-            <a:ext cx="3844882" cy="365125"/>
-          </a:xfrm>
-        </p:spPr>
-        <p:txBody>
-          <a:bodyPr/>
-          <a:lstStyle/>
-          <a:p>
-            <a:pPr algn="l"/>
-            <a:r>
-              <a:rPr lang="zh-CN" altLang="en-US" dirty="0"/>
-              <a:t>周正卿	 体育经济分析      学术</a:t>
-            </a:r>
-            <a:r>
-              <a:rPr lang="en-GB" altLang="zh-CN" dirty="0"/>
-              <a:t>PPT</a:t>
-            </a:r>
-            <a:r>
-              <a:rPr lang="zh-CN" altLang="en-US" dirty="0"/>
-              <a:t>制作</a:t>
-            </a:r>
-            <a:endParaRPr lang="zh-CN" altLang="en-US" dirty="0"/>
-          </a:p>
-        </p:txBody>
-      </p:sp>
-      <p:sp>
-        <p:nvSpPr>
-          <p:cNvPr id="10" name="灯片编号占位符 5"/>
-          <p:cNvSpPr>
-            <a:spLocks noGrp="1"/>
-          </p:cNvSpPr>
-          <p:nvPr>
-            <p:ph type="sldNum" sz="quarter" idx="12"/>
-          </p:nvPr>
-        </p:nvSpPr>
-        <p:spPr>
-          <a:xfrm>
-            <a:off x="7425346" y="6459790"/>
-            <a:ext cx="984019" cy="365125"/>
-          </a:xfrm>
-        </p:spPr>
-        <p:txBody>
-          <a:bodyPr/>
-          <a:lstStyle/>
-          <a:p>
-            <a:fld id="{03C3F5E1-8BEB-46F8-B0C6-3051342B5E98}" type="slidenum">
-              <a:rPr lang="en-US" smtClean="0"/>
-            </a:fld>
+              <a:t>202</a:t>
+            </a:r>
+            <a:r>
+              <a:rPr lang="en-US" altLang="zh-CN" dirty="0"/>
+              <a:t>3</a:t>
+            </a:r>
+            <a:r>
+              <a:rPr lang="en-US" dirty="0"/>
+              <a:t>/</a:t>
+            </a:r>
+            <a:r>
+              <a:rPr lang="en-US" altLang="zh-CN" dirty="0"/>
+              <a:t>8</a:t>
+            </a:r>
+            <a:r>
+              <a:rPr lang="en-US" dirty="0"/>
+              <a:t>/2</a:t>
+            </a:r>
+            <a:r>
+              <a:rPr lang="en-US" altLang="zh-CN" dirty="0"/>
+              <a:t>7</a:t>
+            </a:r>
             <a:endParaRPr lang="en-US" dirty="0"/>
           </a:p>
         </p:txBody>
@@ -7716,7 +7852,6 @@
               <a:rPr dirty="0"/>
               <a:t>明</a:t>
             </a:r>
-            <a:endParaRPr dirty="0"/>
           </a:p>
         </p:txBody>
       </p:sp>
@@ -7729,7 +7864,7 @@
         <p:spPr>
           <a:xfrm>
             <a:off x="855980" y="1061212"/>
-            <a:ext cx="7473315" cy="4617720"/>
+            <a:ext cx="7473315" cy="4630307"/>
           </a:xfrm>
           <a:prstGeom prst="rect">
             <a:avLst/>
@@ -7777,7 +7912,7 @@
               </a:rPr>
               <a:t>是展示性文档，听众是边听边看，务必简明</a:t>
             </a:r>
-            <a:endParaRPr sz="2400">
+            <a:endParaRPr sz="2400" dirty="0">
               <a:latin typeface="Arial Unicode MS" panose="020B0604020202020204" charset="-122"/>
               <a:cs typeface="Arial Unicode MS" panose="020B0604020202020204" charset="-122"/>
             </a:endParaRPr>
@@ -7900,7 +8035,7 @@
               </a:rPr>
               <a:t>……</a:t>
             </a:r>
-            <a:endParaRPr sz="2400">
+            <a:endParaRPr sz="2400" dirty="0">
               <a:latin typeface="Arial" panose="020B0604020202090204"/>
               <a:cs typeface="Arial" panose="020B0604020202090204"/>
             </a:endParaRPr>
@@ -7963,7 +8098,7 @@
               </a:rPr>
               <a:t>……</a:t>
             </a:r>
-            <a:endParaRPr sz="2400">
+            <a:endParaRPr sz="2400" dirty="0">
               <a:latin typeface="Arial" panose="020B0604020202090204"/>
               <a:cs typeface="Arial" panose="020B0604020202090204"/>
             </a:endParaRPr>
@@ -7978,85 +8113,111 @@
               </a:spcBef>
             </a:pPr>
             <a:r>
-              <a:rPr sz="1800" dirty="0">
-                <a:solidFill>
-                  <a:srgbClr val="404040"/>
-                </a:solidFill>
-                <a:latin typeface="Arial Unicode MS" panose="020B0604020202020204" charset="-122"/>
-                <a:cs typeface="Arial Unicode MS" panose="020B0604020202020204" charset="-122"/>
-              </a:rPr>
-              <a:t>一个幽灵，共产主义的幽灵，在欧洲大陆徘徊。为了对这个幽灵进行 神圣的围剿，旧欧洲的一切势力，教皇和沙皇、梅特涅和基佐、法国 </a:t>
-            </a:r>
-            <a:r>
-              <a:rPr sz="1800" spc="-5" dirty="0">
-                <a:solidFill>
-                  <a:srgbClr val="404040"/>
-                </a:solidFill>
-                <a:latin typeface="Arial Unicode MS" panose="020B0604020202020204" charset="-122"/>
-                <a:cs typeface="Arial Unicode MS" panose="020B0604020202020204" charset="-122"/>
-              </a:rPr>
-              <a:t>的激进派和德国的警察，都联合起来了。有哪一个反对党不被它的当 </a:t>
-            </a:r>
-            <a:r>
-              <a:rPr sz="1800" dirty="0">
-                <a:solidFill>
-                  <a:srgbClr val="404040"/>
-                </a:solidFill>
-                <a:latin typeface="Arial Unicode MS" panose="020B0604020202020204" charset="-122"/>
-                <a:cs typeface="Arial Unicode MS" panose="020B0604020202020204" charset="-122"/>
-              </a:rPr>
-              <a:t>政的敌人骂为共产党呢？又有哪一个反对党不拿共产主义这个罪名去 回敬更进步的反对党人和自己的反动敌人呢？从这一事实中可以得出 两个结论：</a:t>
-            </a:r>
-            <a:r>
-              <a:rPr sz="1800" spc="-100" dirty="0">
-                <a:solidFill>
-                  <a:srgbClr val="404040"/>
-                </a:solidFill>
-                <a:latin typeface="Arial Unicode MS" panose="020B0604020202020204" charset="-122"/>
-                <a:cs typeface="Arial Unicode MS" panose="020B0604020202020204" charset="-122"/>
-              </a:rPr>
-              <a:t> </a:t>
-            </a:r>
-            <a:r>
-              <a:rPr sz="1800" dirty="0">
-                <a:solidFill>
-                  <a:srgbClr val="404040"/>
-                </a:solidFill>
-                <a:latin typeface="Arial Unicode MS" panose="020B0604020202020204" charset="-122"/>
-                <a:cs typeface="Arial Unicode MS" panose="020B0604020202020204" charset="-122"/>
-              </a:rPr>
-              <a:t>共产主义已经被欧洲的一切势力公认为一种势力；</a:t>
-            </a:r>
-            <a:r>
-              <a:rPr sz="1800" spc="-105" dirty="0">
-                <a:solidFill>
-                  <a:srgbClr val="404040"/>
-                </a:solidFill>
-                <a:latin typeface="Arial Unicode MS" panose="020B0604020202020204" charset="-122"/>
-                <a:cs typeface="Arial Unicode MS" panose="020B0604020202020204" charset="-122"/>
-              </a:rPr>
-              <a:t> </a:t>
-            </a:r>
-            <a:r>
-              <a:rPr sz="1800" dirty="0">
-                <a:solidFill>
-                  <a:srgbClr val="404040"/>
-                </a:solidFill>
-                <a:latin typeface="Arial Unicode MS" panose="020B0604020202020204" charset="-122"/>
-                <a:cs typeface="Arial Unicode MS" panose="020B0604020202020204" charset="-122"/>
-              </a:rPr>
-              <a:t>现在是 共产党人向全世界公开说明自己的观点、自己的目的、自己的意图并 且拿党自己的宣言来反驳关于共产主义幽灵的神话的时候了。</a:t>
-            </a:r>
-            <a:endParaRPr sz="1800">
-              <a:latin typeface="Arial Unicode MS" panose="020B0604020202020204" charset="-122"/>
-              <a:cs typeface="Arial Unicode MS" panose="020B0604020202020204" charset="-122"/>
-            </a:endParaRPr>
-          </a:p>
-        </p:txBody>
-      </p:sp>
-      <p:sp>
-        <p:nvSpPr>
-          <p:cNvPr id="8" name="日期占位符 3"/>
+              <a:rPr lang="en-US" altLang="zh-CN" sz="1800" dirty="0">
+                <a:solidFill>
+                  <a:srgbClr val="404040"/>
+                </a:solidFill>
+                <a:latin typeface="Arial Unicode MS" panose="020B0604020202020204" charset="-122"/>
+                <a:cs typeface="Arial Unicode MS" panose="020B0604020202020204" charset="-122"/>
+              </a:rPr>
+              <a:t>❌</a:t>
+            </a:r>
+            <a:r>
+              <a:rPr sz="1800" dirty="0" err="1">
+                <a:solidFill>
+                  <a:srgbClr val="404040"/>
+                </a:solidFill>
+                <a:latin typeface="Arial Unicode MS" panose="020B0604020202020204" charset="-122"/>
+                <a:cs typeface="Arial Unicode MS" panose="020B0604020202020204" charset="-122"/>
+              </a:rPr>
+              <a:t>一</a:t>
+            </a:r>
+            <a:r>
+              <a:rPr lang="zh-CN" altLang="en-US" sz="1800" dirty="0">
+                <a:solidFill>
+                  <a:srgbClr val="404040"/>
+                </a:solidFill>
+                <a:latin typeface="Arial Unicode MS" panose="020B0604020202020204" charset="-122"/>
+                <a:cs typeface="Arial Unicode MS" panose="020B0604020202020204" charset="-122"/>
+              </a:rPr>
+              <a:t>在一个遥远的星球上，生活着一群奇特的生物，它们的身体像鸟类，却有着闪烁着五彩斑斓光芒的羽毛。这些生物被称为“光翼鸟”，它们以飞行和光的力量为生。每当夜幕降临，光翼鸟们会聚集在星空下，展开壮观的羽毛舞蹈，如同为夜晚奏响的华美交响乐。这个星球上有着一种神秘的矿石，名为“流光石”。流光石蕴含着无尽的能量，能够为光翼鸟们提供飞行的动力。然而，流光石只在难以到达的高山深处出现，需要勇敢的冒险家去采集。因此，星球上出现了一群勇敢的探险家，他们带着各自的信念，踏上了寻找流光石的旅程。</a:t>
+            </a:r>
+          </a:p>
+        </p:txBody>
+      </p:sp>
+      <p:sp>
+        <p:nvSpPr>
+          <p:cNvPr id="9" name="页脚占位符 4"/>
+          <p:cNvSpPr>
+            <a:spLocks noGrp="1"/>
+          </p:cNvSpPr>
+          <p:nvPr>
+            <p:ph type="ftr" sz="quarter" idx="11"/>
+          </p:nvPr>
+        </p:nvSpPr>
+        <p:spPr>
+          <a:xfrm>
+            <a:off x="2764640" y="6459790"/>
+            <a:ext cx="3844882" cy="365125"/>
+          </a:xfrm>
+        </p:spPr>
+        <p:txBody>
+          <a:bodyPr/>
+          <a:lstStyle/>
+          <a:p>
+            <a:pPr algn="l"/>
+            <a:r>
+              <a:rPr lang="zh-CN" altLang="en-US" dirty="0"/>
+              <a:t>周正卿	 体育经济分析      学术</a:t>
+            </a:r>
+            <a:r>
+              <a:rPr lang="en-GB" altLang="zh-CN" dirty="0"/>
+              <a:t>PPT</a:t>
+            </a:r>
+            <a:r>
+              <a:rPr lang="zh-CN" altLang="en-US" dirty="0"/>
+              <a:t>制作</a:t>
+            </a:r>
+          </a:p>
+        </p:txBody>
+      </p:sp>
+      <p:sp>
+        <p:nvSpPr>
+          <p:cNvPr id="10" name="灯片编号占位符 5"/>
+          <p:cNvSpPr>
+            <a:spLocks noGrp="1"/>
+          </p:cNvSpPr>
+          <p:nvPr>
+            <p:ph type="sldNum" sz="quarter" idx="12"/>
+          </p:nvPr>
+        </p:nvSpPr>
+        <p:spPr>
+          <a:xfrm>
+            <a:off x="7425346" y="6459790"/>
+            <a:ext cx="984019" cy="365125"/>
+          </a:xfrm>
+        </p:spPr>
+        <p:txBody>
+          <a:bodyPr/>
+          <a:lstStyle/>
+          <a:p>
+            <a:fld id="{03C3F5E1-8BEB-46F8-B0C6-3051342B5E98}" type="slidenum">
+              <a:rPr lang="en-US" smtClean="0"/>
+              <a:t>7</a:t>
+            </a:fld>
+            <a:endParaRPr lang="en-US" dirty="0"/>
+          </a:p>
+        </p:txBody>
+      </p:sp>
+      <p:sp>
+        <p:nvSpPr>
+          <p:cNvPr id="4" name="日期占位符 3">
+            <a:extLst>
+              <a:ext uri="{FF2B5EF4-FFF2-40B4-BE49-F238E27FC236}">
+                <a16:creationId xmlns:a16="http://schemas.microsoft.com/office/drawing/2014/main" id="{7D876184-7D15-B356-69DC-3B5220D086E4}"/>
+              </a:ext>
+            </a:extLst>
+          </p:cNvPr>
           <p:cNvSpPr>
             <a:spLocks noGrp="1"/>
           </p:cNvSpPr>
@@ -8076,72 +8237,28 @@
           <a:p>
             <a:r>
               <a:rPr lang="en-US" dirty="0"/>
-              <a:t>2022/1/23</a:t>
-            </a:r>
-            <a:endParaRPr lang="en-US" dirty="0"/>
-          </a:p>
-        </p:txBody>
-      </p:sp>
-      <p:sp>
-        <p:nvSpPr>
-          <p:cNvPr id="9" name="页脚占位符 4"/>
-          <p:cNvSpPr>
-            <a:spLocks noGrp="1"/>
-          </p:cNvSpPr>
-          <p:nvPr>
-            <p:ph type="ftr" sz="quarter" idx="11"/>
-          </p:nvPr>
-        </p:nvSpPr>
-        <p:spPr>
-          <a:xfrm>
-            <a:off x="2764640" y="6459790"/>
-            <a:ext cx="3844882" cy="365125"/>
-          </a:xfrm>
-        </p:spPr>
-        <p:txBody>
-          <a:bodyPr/>
-          <a:lstStyle/>
-          <a:p>
-            <a:pPr algn="l"/>
-            <a:r>
-              <a:rPr lang="zh-CN" altLang="en-US" dirty="0"/>
-              <a:t>周正卿	 体育经济分析      学术</a:t>
-            </a:r>
-            <a:r>
-              <a:rPr lang="en-GB" altLang="zh-CN" dirty="0"/>
-              <a:t>PPT</a:t>
-            </a:r>
-            <a:r>
-              <a:rPr lang="zh-CN" altLang="en-US" dirty="0"/>
-              <a:t>制作</a:t>
-            </a:r>
-            <a:endParaRPr lang="zh-CN" altLang="en-US" dirty="0"/>
-          </a:p>
-        </p:txBody>
-      </p:sp>
-      <p:sp>
-        <p:nvSpPr>
-          <p:cNvPr id="10" name="灯片编号占位符 5"/>
-          <p:cNvSpPr>
-            <a:spLocks noGrp="1"/>
-          </p:cNvSpPr>
-          <p:nvPr>
-            <p:ph type="sldNum" sz="quarter" idx="12"/>
-          </p:nvPr>
-        </p:nvSpPr>
-        <p:spPr>
-          <a:xfrm>
-            <a:off x="7425346" y="6459790"/>
-            <a:ext cx="984019" cy="365125"/>
-          </a:xfrm>
-        </p:spPr>
-        <p:txBody>
-          <a:bodyPr/>
-          <a:lstStyle/>
-          <a:p>
-            <a:fld id="{03C3F5E1-8BEB-46F8-B0C6-3051342B5E98}" type="slidenum">
-              <a:rPr lang="en-US" smtClean="0"/>
-            </a:fld>
+              <a:t>202</a:t>
+            </a:r>
+            <a:r>
+              <a:rPr lang="en-US" altLang="zh-CN" dirty="0"/>
+              <a:t>3</a:t>
+            </a:r>
+            <a:r>
+              <a:rPr lang="en-US" dirty="0"/>
+              <a:t>/</a:t>
+            </a:r>
+            <a:r>
+              <a:rPr lang="en-US" altLang="zh-CN" dirty="0"/>
+              <a:t>8</a:t>
+            </a:r>
+            <a:r>
+              <a:rPr lang="en-US" dirty="0"/>
+              <a:t>/2</a:t>
+            </a:r>
+            <a:r>
+              <a:rPr lang="en-US" altLang="zh-CN" dirty="0"/>
+              <a:t>7</a:t>
+            </a:r>
             <a:endParaRPr lang="en-US" dirty="0"/>
           </a:p>
         </p:txBody>
@@ -8239,7 +8356,6 @@
               <a:rPr dirty="0"/>
               <a:t>明</a:t>
             </a:r>
-            <a:endParaRPr dirty="0"/>
           </a:p>
         </p:txBody>
       </p:sp>
@@ -8766,7 +8882,77 @@
       </p:sp>
       <p:sp>
         <p:nvSpPr>
-          <p:cNvPr id="8" name="日期占位符 3"/>
+          <p:cNvPr id="9" name="页脚占位符 4"/>
+          <p:cNvSpPr>
+            <a:spLocks noGrp="1"/>
+          </p:cNvSpPr>
+          <p:nvPr>
+            <p:ph type="ftr" sz="quarter" idx="11"/>
+          </p:nvPr>
+        </p:nvSpPr>
+        <p:spPr>
+          <a:xfrm>
+            <a:off x="2764640" y="6459790"/>
+            <a:ext cx="3844882" cy="365125"/>
+          </a:xfrm>
+        </p:spPr>
+        <p:txBody>
+          <a:bodyPr/>
+          <a:lstStyle/>
+          <a:p>
+            <a:pPr algn="l"/>
+            <a:r>
+              <a:rPr lang="zh-CN" altLang="en-US" dirty="0"/>
+              <a:t>周正卿	 体育经济分析      学术</a:t>
+            </a:r>
+            <a:r>
+              <a:rPr lang="en-GB" altLang="zh-CN" dirty="0"/>
+              <a:t>PPT</a:t>
+            </a:r>
+            <a:r>
+              <a:rPr lang="zh-CN" altLang="en-US" dirty="0"/>
+              <a:t>制作</a:t>
+            </a:r>
+          </a:p>
+        </p:txBody>
+      </p:sp>
+      <p:sp>
+        <p:nvSpPr>
+          <p:cNvPr id="10" name="灯片编号占位符 5"/>
+          <p:cNvSpPr>
+            <a:spLocks noGrp="1"/>
+          </p:cNvSpPr>
+          <p:nvPr>
+            <p:ph type="sldNum" sz="quarter" idx="12"/>
+          </p:nvPr>
+        </p:nvSpPr>
+        <p:spPr>
+          <a:xfrm>
+            <a:off x="7425346" y="6459790"/>
+            <a:ext cx="984019" cy="365125"/>
+          </a:xfrm>
+        </p:spPr>
+        <p:txBody>
+          <a:bodyPr/>
+          <a:lstStyle/>
+          <a:p>
+            <a:fld id="{03C3F5E1-8BEB-46F8-B0C6-3051342B5E98}" type="slidenum">
+              <a:rPr lang="en-US" smtClean="0"/>
+              <a:t>8</a:t>
+            </a:fld>
+            <a:endParaRPr lang="en-US" dirty="0"/>
+          </a:p>
+        </p:txBody>
+      </p:sp>
+      <p:sp>
+        <p:nvSpPr>
+          <p:cNvPr id="4" name="日期占位符 3">
+            <a:extLst>
+              <a:ext uri="{FF2B5EF4-FFF2-40B4-BE49-F238E27FC236}">
+                <a16:creationId xmlns:a16="http://schemas.microsoft.com/office/drawing/2014/main" id="{7B5E421A-32EE-AECC-F700-47FCCD9CD18B}"/>
+              </a:ext>
+            </a:extLst>
+          </p:cNvPr>
           <p:cNvSpPr>
             <a:spLocks noGrp="1"/>
           </p:cNvSpPr>
@@ -8786,72 +8972,28 @@
           <a:p>
             <a:r>
               <a:rPr lang="en-US" dirty="0"/>
-              <a:t>2022/1/23</a:t>
-            </a:r>
-            <a:endParaRPr lang="en-US" dirty="0"/>
-          </a:p>
-        </p:txBody>
-      </p:sp>
-      <p:sp>
-        <p:nvSpPr>
-          <p:cNvPr id="9" name="页脚占位符 4"/>
-          <p:cNvSpPr>
-            <a:spLocks noGrp="1"/>
-          </p:cNvSpPr>
-          <p:nvPr>
-            <p:ph type="ftr" sz="quarter" idx="11"/>
-          </p:nvPr>
-        </p:nvSpPr>
-        <p:spPr>
-          <a:xfrm>
-            <a:off x="2764640" y="6459790"/>
-            <a:ext cx="3844882" cy="365125"/>
-          </a:xfrm>
-        </p:spPr>
-        <p:txBody>
-          <a:bodyPr/>
-          <a:lstStyle/>
-          <a:p>
-            <a:pPr algn="l"/>
-            <a:r>
-              <a:rPr lang="zh-CN" altLang="en-US" dirty="0"/>
-              <a:t>周正卿	 体育经济分析      学术</a:t>
-            </a:r>
-            <a:r>
-              <a:rPr lang="en-GB" altLang="zh-CN" dirty="0"/>
-              <a:t>PPT</a:t>
-            </a:r>
-            <a:r>
-              <a:rPr lang="zh-CN" altLang="en-US" dirty="0"/>
-              <a:t>制作</a:t>
-            </a:r>
-            <a:endParaRPr lang="zh-CN" altLang="en-US" dirty="0"/>
-          </a:p>
-        </p:txBody>
-      </p:sp>
-      <p:sp>
-        <p:nvSpPr>
-          <p:cNvPr id="10" name="灯片编号占位符 5"/>
-          <p:cNvSpPr>
-            <a:spLocks noGrp="1"/>
-          </p:cNvSpPr>
-          <p:nvPr>
-            <p:ph type="sldNum" sz="quarter" idx="12"/>
-          </p:nvPr>
-        </p:nvSpPr>
-        <p:spPr>
-          <a:xfrm>
-            <a:off x="7425346" y="6459790"/>
-            <a:ext cx="984019" cy="365125"/>
-          </a:xfrm>
-        </p:spPr>
-        <p:txBody>
-          <a:bodyPr/>
-          <a:lstStyle/>
-          <a:p>
-            <a:fld id="{03C3F5E1-8BEB-46F8-B0C6-3051342B5E98}" type="slidenum">
-              <a:rPr lang="en-US" smtClean="0"/>
-            </a:fld>
+              <a:t>202</a:t>
+            </a:r>
+            <a:r>
+              <a:rPr lang="en-US" altLang="zh-CN" dirty="0"/>
+              <a:t>3</a:t>
+            </a:r>
+            <a:r>
+              <a:rPr lang="en-US" dirty="0"/>
+              <a:t>/</a:t>
+            </a:r>
+            <a:r>
+              <a:rPr lang="en-US" altLang="zh-CN" dirty="0"/>
+              <a:t>8</a:t>
+            </a:r>
+            <a:r>
+              <a:rPr lang="en-US" dirty="0"/>
+              <a:t>/2</a:t>
+            </a:r>
+            <a:r>
+              <a:rPr lang="en-US" altLang="zh-CN" dirty="0"/>
+              <a:t>7</a:t>
+            </a:r>
             <a:endParaRPr lang="en-US" dirty="0"/>
           </a:p>
         </p:txBody>
@@ -8949,7 +9091,6 @@
               <a:rPr dirty="0"/>
               <a:t>明</a:t>
             </a:r>
-            <a:endParaRPr dirty="0"/>
           </a:p>
         </p:txBody>
       </p:sp>
@@ -9143,7 +9284,77 @@
       </p:sp>
       <p:sp>
         <p:nvSpPr>
-          <p:cNvPr id="8" name="日期占位符 3"/>
+          <p:cNvPr id="9" name="页脚占位符 4"/>
+          <p:cNvSpPr>
+            <a:spLocks noGrp="1"/>
+          </p:cNvSpPr>
+          <p:nvPr>
+            <p:ph type="ftr" sz="quarter" idx="11"/>
+          </p:nvPr>
+        </p:nvSpPr>
+        <p:spPr>
+          <a:xfrm>
+            <a:off x="2764640" y="6459790"/>
+            <a:ext cx="3844882" cy="365125"/>
+          </a:xfrm>
+        </p:spPr>
+        <p:txBody>
+          <a:bodyPr/>
+          <a:lstStyle/>
+          <a:p>
+            <a:pPr algn="l"/>
+            <a:r>
+              <a:rPr lang="zh-CN" altLang="en-US" dirty="0"/>
+              <a:t>周正卿	 体育经济分析      学术</a:t>
+            </a:r>
+            <a:r>
+              <a:rPr lang="en-GB" altLang="zh-CN" dirty="0"/>
+              <a:t>PPT</a:t>
+            </a:r>
+            <a:r>
+              <a:rPr lang="zh-CN" altLang="en-US" dirty="0"/>
+              <a:t>制作</a:t>
+            </a:r>
+          </a:p>
+        </p:txBody>
+      </p:sp>
+      <p:sp>
+        <p:nvSpPr>
+          <p:cNvPr id="10" name="灯片编号占位符 5"/>
+          <p:cNvSpPr>
+            <a:spLocks noGrp="1"/>
+          </p:cNvSpPr>
+          <p:nvPr>
+            <p:ph type="sldNum" sz="quarter" idx="12"/>
+          </p:nvPr>
+        </p:nvSpPr>
+        <p:spPr>
+          <a:xfrm>
+            <a:off x="7425346" y="6459790"/>
+            <a:ext cx="984019" cy="365125"/>
+          </a:xfrm>
+        </p:spPr>
+        <p:txBody>
+          <a:bodyPr/>
+          <a:lstStyle/>
+          <a:p>
+            <a:fld id="{03C3F5E1-8BEB-46F8-B0C6-3051342B5E98}" type="slidenum">
+              <a:rPr lang="en-US" smtClean="0"/>
+              <a:t>9</a:t>
+            </a:fld>
+            <a:endParaRPr lang="en-US" dirty="0"/>
+          </a:p>
+        </p:txBody>
+      </p:sp>
+      <p:sp>
+        <p:nvSpPr>
+          <p:cNvPr id="4" name="日期占位符 3">
+            <a:extLst>
+              <a:ext uri="{FF2B5EF4-FFF2-40B4-BE49-F238E27FC236}">
+                <a16:creationId xmlns:a16="http://schemas.microsoft.com/office/drawing/2014/main" id="{3729D1B2-03F8-9FDA-8728-E6856E701734}"/>
+              </a:ext>
+            </a:extLst>
+          </p:cNvPr>
           <p:cNvSpPr>
             <a:spLocks noGrp="1"/>
           </p:cNvSpPr>
@@ -9163,72 +9374,28 @@
           <a:p>
             <a:r>
               <a:rPr lang="en-US" dirty="0"/>
-              <a:t>2022/1/23</a:t>
-            </a:r>
-            <a:endParaRPr lang="en-US" dirty="0"/>
-          </a:p>
-        </p:txBody>
-      </p:sp>
-      <p:sp>
-        <p:nvSpPr>
-          <p:cNvPr id="9" name="页脚占位符 4"/>
-          <p:cNvSpPr>
-            <a:spLocks noGrp="1"/>
-          </p:cNvSpPr>
-          <p:nvPr>
-            <p:ph type="ftr" sz="quarter" idx="11"/>
-          </p:nvPr>
-        </p:nvSpPr>
-        <p:spPr>
-          <a:xfrm>
-            <a:off x="2764640" y="6459790"/>
-            <a:ext cx="3844882" cy="365125"/>
-          </a:xfrm>
-        </p:spPr>
-        <p:txBody>
-          <a:bodyPr/>
-          <a:lstStyle/>
-          <a:p>
-            <a:pPr algn="l"/>
-            <a:r>
-              <a:rPr lang="zh-CN" altLang="en-US" dirty="0"/>
-              <a:t>周正卿	 体育经济分析      学术</a:t>
-            </a:r>
-            <a:r>
-              <a:rPr lang="en-GB" altLang="zh-CN" dirty="0"/>
-              <a:t>PPT</a:t>
-            </a:r>
-            <a:r>
-              <a:rPr lang="zh-CN" altLang="en-US" dirty="0"/>
-              <a:t>制作</a:t>
-            </a:r>
-            <a:endParaRPr lang="zh-CN" altLang="en-US" dirty="0"/>
-          </a:p>
-        </p:txBody>
-      </p:sp>
-      <p:sp>
-        <p:nvSpPr>
-          <p:cNvPr id="10" name="灯片编号占位符 5"/>
-          <p:cNvSpPr>
-            <a:spLocks noGrp="1"/>
-          </p:cNvSpPr>
-          <p:nvPr>
-            <p:ph type="sldNum" sz="quarter" idx="12"/>
-          </p:nvPr>
-        </p:nvSpPr>
-        <p:spPr>
-          <a:xfrm>
-            <a:off x="7425346" y="6459790"/>
-            <a:ext cx="984019" cy="365125"/>
-          </a:xfrm>
-        </p:spPr>
-        <p:txBody>
-          <a:bodyPr/>
-          <a:lstStyle/>
-          <a:p>
-            <a:fld id="{03C3F5E1-8BEB-46F8-B0C6-3051342B5E98}" type="slidenum">
-              <a:rPr lang="en-US" smtClean="0"/>
-            </a:fld>
+              <a:t>202</a:t>
+            </a:r>
+            <a:r>
+              <a:rPr lang="en-US" altLang="zh-CN" dirty="0"/>
+              <a:t>3</a:t>
+            </a:r>
+            <a:r>
+              <a:rPr lang="en-US" dirty="0"/>
+              <a:t>/</a:t>
+            </a:r>
+            <a:r>
+              <a:rPr lang="en-US" altLang="zh-CN" dirty="0"/>
+              <a:t>8</a:t>
+            </a:r>
+            <a:r>
+              <a:rPr lang="en-US" dirty="0"/>
+              <a:t>/2</a:t>
+            </a:r>
+            <a:r>
+              <a:rPr lang="en-US" altLang="zh-CN" dirty="0"/>
+              <a:t>7</a:t>
+            </a:r>
             <a:endParaRPr lang="en-US" dirty="0"/>
           </a:p>
         </p:txBody>
@@ -9454,6 +9621,8 @@
       </a:bgFillStyleLst>
     </a:fmtScheme>
   </a:themeElements>
+  <a:objectDefaults/>
+  <a:extraClrSchemeLst/>
   <a:extLst>
     <a:ext uri="{05A4C25C-085E-4340-85A3-A5531E510DB2}">
       <thm15:themeFamily xmlns:thm15="http://schemas.microsoft.com/office/thememl/2012/main" name="Office Theme" id="{62F939B6-93AF-4DB8-9C6B-D6C7DFDC589F}" vid="{4A3C46E8-61CC-4603-A589-7422A47A8E4A}"/>
